--- a/ECO_LIFESTYLE(SHREYA YADAV).pptx
+++ b/ECO_LIFESTYLE(SHREYA YADAV).pptx
@@ -213,7 +213,7 @@
           <a:p>
             <a:fld id="{46256A78-79A6-408F-8148-4F87BB81602D}" type="datetimeFigureOut">
               <a:rPr lang="en-IN" smtClean="0"/>
-              <a:t>02-08-2025</a:t>
+              <a:t>03-08-2025</a:t>
             </a:fld>
             <a:endParaRPr lang="en-IN"/>
           </a:p>
@@ -801,7 +801,7 @@
           <a:p>
             <a:fld id="{ED291B17-9318-49DB-B28B-6E5994AE9581}" type="datetime1">
               <a:rPr lang="en-US" smtClean="0"/>
-              <a:t>8/2/2025</a:t>
+              <a:t>8/3/2025</a:t>
             </a:fld>
             <a:endParaRPr lang="en-US"/>
           </a:p>
@@ -1010,7 +1010,7 @@
           <a:p>
             <a:fld id="{2CED4963-E985-44C4-B8C4-FDD613B7C2F8}" type="datetime1">
               <a:rPr lang="en-US" smtClean="0"/>
-              <a:t>8/2/2025</a:t>
+              <a:t>8/3/2025</a:t>
             </a:fld>
             <a:endParaRPr lang="en-US"/>
           </a:p>
@@ -1378,7 +1378,7 @@
           <a:p>
             <a:fld id="{ED291B17-9318-49DB-B28B-6E5994AE9581}" type="datetime1">
               <a:rPr lang="en-US" smtClean="0"/>
-              <a:t>8/2/2025</a:t>
+              <a:t>8/3/2025</a:t>
             </a:fld>
             <a:endParaRPr lang="en-US"/>
           </a:p>
@@ -1582,7 +1582,7 @@
           <a:p>
             <a:fld id="{78DD82B9-B8EE-4375-B6FF-88FA6ABB15D9}" type="datetime1">
               <a:rPr lang="en-US" smtClean="0"/>
-              <a:t>8/2/2025</a:t>
+              <a:t>8/3/2025</a:t>
             </a:fld>
             <a:endParaRPr lang="en-US"/>
           </a:p>
@@ -1839,7 +1839,7 @@
           <a:p>
             <a:fld id="{B2497495-0637-405E-AE64-5CC7506D51F5}" type="datetime1">
               <a:rPr lang="en-US" smtClean="0"/>
-              <a:t>8/2/2025</a:t>
+              <a:t>8/3/2025</a:t>
             </a:fld>
             <a:endParaRPr lang="en-US"/>
           </a:p>
@@ -2097,7 +2097,7 @@
           <a:p>
             <a:fld id="{7BFFD690-9426-415D-8B65-26881E07B2D4}" type="datetime1">
               <a:rPr lang="en-US" smtClean="0"/>
-              <a:t>8/2/2025</a:t>
+              <a:t>8/3/2025</a:t>
             </a:fld>
             <a:endParaRPr lang="en-US"/>
           </a:p>
@@ -2524,7 +2524,7 @@
           <a:p>
             <a:fld id="{04C4989A-474C-40DE-95B9-011C28B71673}" type="datetime1">
               <a:rPr lang="en-US" smtClean="0"/>
-              <a:t>8/2/2025</a:t>
+              <a:t>8/3/2025</a:t>
             </a:fld>
             <a:endParaRPr lang="en-US"/>
           </a:p>
@@ -2654,7 +2654,7 @@
           <a:p>
             <a:fld id="{5DB4ED54-5B5E-4A04-93D3-5772E3CE3818}" type="datetime1">
               <a:rPr lang="en-US" smtClean="0"/>
-              <a:t>8/2/2025</a:t>
+              <a:t>8/3/2025</a:t>
             </a:fld>
             <a:endParaRPr lang="en-US"/>
           </a:p>
@@ -2757,7 +2757,7 @@
           <a:p>
             <a:fld id="{4EDE50D6-574B-40AF-946F-D52A04ADE379}" type="datetime1">
               <a:rPr lang="en-US" smtClean="0"/>
-              <a:t>8/2/2025</a:t>
+              <a:t>8/3/2025</a:t>
             </a:fld>
             <a:endParaRPr lang="en-US"/>
           </a:p>
@@ -3140,7 +3140,7 @@
           <a:p>
             <a:fld id="{D82884F1-FFEA-405F-9602-3DCA865EDA4E}" type="datetime1">
               <a:rPr lang="en-US" smtClean="0"/>
-              <a:t>8/2/2025</a:t>
+              <a:t>8/3/2025</a:t>
             </a:fld>
             <a:endParaRPr lang="en-US"/>
           </a:p>
@@ -3434,7 +3434,7 @@
           <a:p>
             <a:fld id="{7E18DB4A-8810-4A10-AD5C-D5E2C667F5B3}" type="datetime1">
               <a:rPr lang="en-US" smtClean="0"/>
-              <a:t>8/2/2025</a:t>
+              <a:t>8/3/2025</a:t>
             </a:fld>
             <a:endParaRPr lang="en-US"/>
           </a:p>
@@ -3655,7 +3655,7 @@
           <a:p>
             <a:fld id="{ED291B17-9318-49DB-B28B-6E5994AE9581}" type="datetime1">
               <a:rPr lang="en-US" smtClean="0"/>
-              <a:t>8/2/2025</a:t>
+              <a:t>8/3/2025</a:t>
             </a:fld>
             <a:endParaRPr lang="en-US"/>
           </a:p>
@@ -4302,43 +4302,38 @@
           </a:xfrm>
         </p:spPr>
         <p:txBody>
-          <a:bodyPr/>
+          <a:bodyPr>
+            <a:normAutofit fontScale="90000"/>
+          </a:bodyPr>
           <a:lstStyle/>
           <a:p>
             <a:pPr algn="ctr"/>
             <a:r>
-              <a:rPr lang="en-US" b="1" dirty="0">
-                <a:solidFill>
-                  <a:schemeClr val="accent1"/>
-                </a:solidFill>
-                <a:latin typeface="Arial"/>
-                <a:cs typeface="Arial"/>
-              </a:rPr>
-              <a:t>Travel </a:t>
-            </a:r>
-            <a:r>
-              <a:rPr lang="en-US" b="1" dirty="0" err="1">
-                <a:solidFill>
-                  <a:schemeClr val="accent1"/>
-                </a:solidFill>
-                <a:latin typeface="Arial"/>
-                <a:cs typeface="Arial"/>
-              </a:rPr>
-              <a:t>ai</a:t>
-            </a:r>
-            <a:r>
-              <a:rPr lang="en-US" b="1" dirty="0">
-                <a:solidFill>
-                  <a:schemeClr val="accent1"/>
-                </a:solidFill>
-                <a:latin typeface="Arial"/>
-                <a:cs typeface="Arial"/>
-              </a:rPr>
-              <a:t> agent</a:t>
+              <a:rPr lang="en-IN" dirty="0">
+                <a:solidFill>
+                  <a:schemeClr val="accent2"/>
+                </a:solidFill>
+              </a:rPr>
+              <a:t>ECO_AGENT</a:t>
+            </a:r>
+            <a:br>
+              <a:rPr lang="en-IN" dirty="0">
+                <a:solidFill>
+                  <a:schemeClr val="accent2"/>
+                </a:solidFill>
+              </a:rPr>
+            </a:br>
+            <a:r>
+              <a:rPr lang="en-IN" dirty="0">
+                <a:solidFill>
+                  <a:schemeClr val="accent2"/>
+                </a:solidFill>
+              </a:rPr>
+              <a:t>(Eco Lifestyle Agent)</a:t>
             </a:r>
             <a:endParaRPr lang="en-US" b="1" dirty="0">
               <a:solidFill>
-                <a:schemeClr val="accent1"/>
+                <a:schemeClr val="accent2"/>
               </a:solidFill>
               <a:latin typeface="Arial" panose="020B0604020202020204" pitchFamily="34" charset="0"/>
               <a:cs typeface="Arial" panose="020B0604020202020204" pitchFamily="34" charset="0"/>
@@ -4393,7 +4388,7 @@
         <p:spPr>
           <a:xfrm>
             <a:off x="727588" y="3598605"/>
-            <a:ext cx="10370126" cy="1631216"/>
+            <a:ext cx="10370126" cy="1938992"/>
           </a:xfrm>
           <a:prstGeom prst="rect">
             <a:avLst/>
@@ -4418,6 +4413,17 @@
               </a:rPr>
               <a:t>Presented By:</a:t>
             </a:r>
+          </a:p>
+          <a:p>
+            <a:endParaRPr lang="en-US" sz="2000" b="1" dirty="0">
+              <a:solidFill>
+                <a:schemeClr val="accent1">
+                  <a:lumMod val="75000"/>
+                </a:schemeClr>
+              </a:solidFill>
+              <a:latin typeface="Arial" pitchFamily="34" charset="0"/>
+              <a:cs typeface="Arial" pitchFamily="34" charset="0"/>
+            </a:endParaRPr>
           </a:p>
           <a:p>
             <a:r>
@@ -4613,14 +4619,50 @@
         </p:blipFill>
         <p:spPr>
           <a:xfrm>
-            <a:off x="1199535" y="1232452"/>
-            <a:ext cx="10341684" cy="4925638"/>
+            <a:off x="2603894" y="1732820"/>
+            <a:ext cx="8909682" cy="4243590"/>
           </a:xfrm>
           <a:prstGeom prst="rect">
             <a:avLst/>
           </a:prstGeom>
         </p:spPr>
       </p:pic>
+      <p:sp>
+        <p:nvSpPr>
+          <p:cNvPr id="3" name="TextBox 2">
+            <a:extLst>
+              <a:ext uri="{FF2B5EF4-FFF2-40B4-BE49-F238E27FC236}">
+                <a16:creationId xmlns:a16="http://schemas.microsoft.com/office/drawing/2014/main" id="{9C117BB3-6BB9-7272-CC37-2B55246D6B65}"/>
+              </a:ext>
+            </a:extLst>
+          </p:cNvPr>
+          <p:cNvSpPr txBox="1"/>
+          <p:nvPr/>
+        </p:nvSpPr>
+        <p:spPr>
+          <a:xfrm>
+            <a:off x="524674" y="3531449"/>
+            <a:ext cx="2079220" cy="646331"/>
+          </a:xfrm>
+          <a:prstGeom prst="rect">
+            <a:avLst/>
+          </a:prstGeom>
+          <a:noFill/>
+        </p:spPr>
+        <p:txBody>
+          <a:bodyPr wrap="square" rtlCol="0">
+            <a:spAutoFit/>
+          </a:bodyPr>
+          <a:lstStyle/>
+          <a:p>
+            <a:r>
+              <a:rPr lang="en-US" dirty="0"/>
+              <a:t>The user input interface </a:t>
+            </a:r>
+            <a:endParaRPr lang="en-IN" dirty="0"/>
+          </a:p>
+        </p:txBody>
+      </p:sp>
     </p:spTree>
     <p:extLst>
       <p:ext uri="{BB962C8B-B14F-4D97-AF65-F5344CB8AC3E}">
@@ -4689,51 +4731,6 @@
           </a:p>
         </p:txBody>
       </p:sp>
-      <p:sp>
-        <p:nvSpPr>
-          <p:cNvPr id="5" name="TextBox 4">
-            <a:extLst>
-              <a:ext uri="{FF2B5EF4-FFF2-40B4-BE49-F238E27FC236}">
-                <a16:creationId xmlns:a16="http://schemas.microsoft.com/office/drawing/2014/main" id="{16A49521-B5B7-63EE-905D-5E4ED1D0957F}"/>
-              </a:ext>
-            </a:extLst>
-          </p:cNvPr>
-          <p:cNvSpPr txBox="1"/>
-          <p:nvPr/>
-        </p:nvSpPr>
-        <p:spPr>
-          <a:xfrm>
-            <a:off x="2998838" y="973394"/>
-            <a:ext cx="4689987" cy="523220"/>
-          </a:xfrm>
-          <a:prstGeom prst="rect">
-            <a:avLst/>
-          </a:prstGeom>
-          <a:noFill/>
-        </p:spPr>
-        <p:txBody>
-          <a:bodyPr rot="0" spcFirstLastPara="0" vertOverflow="overflow" horzOverflow="overflow" vert="horz" wrap="square" lIns="91440" tIns="45720" rIns="91440" bIns="45720" numCol="1" spcCol="0" rtlCol="0" fromWordArt="0" anchor="t" anchorCtr="0" forceAA="0" compatLnSpc="1">
-            <a:prstTxWarp prst="textNoShape">
-              <a:avLst/>
-            </a:prstTxWarp>
-            <a:spAutoFit/>
-          </a:bodyPr>
-          <a:lstStyle/>
-          <a:p>
-            <a:r>
-              <a:rPr lang="en-US" sz="2800" dirty="0">
-                <a:solidFill>
-                  <a:schemeClr val="accent2"/>
-                </a:solidFill>
-                <a:latin typeface="Calibri"/>
-                <a:ea typeface="Calibri"/>
-                <a:cs typeface="Calibri"/>
-              </a:rPr>
-              <a:t>Deployed AI Agent</a:t>
-            </a:r>
-          </a:p>
-        </p:txBody>
-      </p:sp>
       <p:pic>
         <p:nvPicPr>
           <p:cNvPr id="6" name="Picture 5">
@@ -4756,14 +4753,59 @@
         </p:blipFill>
         <p:spPr>
           <a:xfrm>
-            <a:off x="1331107" y="1901044"/>
-            <a:ext cx="9592531" cy="4383871"/>
+            <a:off x="760836" y="1946998"/>
+            <a:ext cx="7866781" cy="3595188"/>
           </a:xfrm>
           <a:prstGeom prst="rect">
             <a:avLst/>
           </a:prstGeom>
         </p:spPr>
       </p:pic>
+      <p:sp>
+        <p:nvSpPr>
+          <p:cNvPr id="3" name="TextBox 2">
+            <a:extLst>
+              <a:ext uri="{FF2B5EF4-FFF2-40B4-BE49-F238E27FC236}">
+                <a16:creationId xmlns:a16="http://schemas.microsoft.com/office/drawing/2014/main" id="{1E829A1A-34BB-57D2-73BB-7AC7E725FD65}"/>
+              </a:ext>
+            </a:extLst>
+          </p:cNvPr>
+          <p:cNvSpPr txBox="1"/>
+          <p:nvPr/>
+        </p:nvSpPr>
+        <p:spPr>
+          <a:xfrm>
+            <a:off x="9272164" y="3134791"/>
+            <a:ext cx="2457720" cy="1200329"/>
+          </a:xfrm>
+          <a:prstGeom prst="rect">
+            <a:avLst/>
+          </a:prstGeom>
+          <a:noFill/>
+        </p:spPr>
+        <p:txBody>
+          <a:bodyPr wrap="square" rtlCol="0">
+            <a:spAutoFit/>
+          </a:bodyPr>
+          <a:lstStyle/>
+          <a:p>
+            <a:r>
+              <a:rPr lang="en-US" dirty="0"/>
+              <a:t>Interface asking</a:t>
+            </a:r>
+          </a:p>
+          <a:p>
+            <a:r>
+              <a:rPr lang="en-US" dirty="0"/>
+              <a:t>“How can I reduce plastic at home?” </a:t>
+            </a:r>
+            <a:endParaRPr lang="en-IN" dirty="0"/>
+          </a:p>
+          <a:p>
+            <a:endParaRPr lang="en-IN" dirty="0"/>
+          </a:p>
+        </p:txBody>
+      </p:sp>
     </p:spTree>
     <p:extLst>
       <p:ext uri="{BB962C8B-B14F-4D97-AF65-F5344CB8AC3E}">
@@ -4854,8 +4896,38 @@
                 <a:ea typeface="Calibri"/>
                 <a:cs typeface="Calibri"/>
               </a:rPr>
-              <a:t>The Eco Lifestyle Agent is a powerful step toward making sustainability practical, personal, and accessible for everyone. By leveraging IBM Granite and RAG on IBM Cloud Lite, it transforms complex environmental data into simple, actionable guidance. With its friendly tone, real-time information, and personalized support, the agent empowers users to make small choices that lead to big environmental impact—paving the way for a smarter, greener, and more responsible future.</a:t>
-            </a:r>
+              <a:t>The Eco Lifestyle Agent is a powerful step toward making sustainability practical, personal, and accessible for everyone.</a:t>
+            </a:r>
+          </a:p>
+          <a:p>
+            <a:pPr marL="305435" indent="-305435"/>
+            <a:r>
+              <a:rPr lang="en-US" sz="2800" dirty="0">
+                <a:latin typeface="Calibri"/>
+                <a:ea typeface="Calibri"/>
+                <a:cs typeface="Calibri"/>
+              </a:rPr>
+              <a:t> By leveraging IBM Granite and RAG on IBM Cloud Lite, it transforms complex environmental data into simple, actionable guidance.</a:t>
+            </a:r>
+          </a:p>
+          <a:p>
+            <a:pPr marL="305435" indent="-305435"/>
+            <a:r>
+              <a:rPr lang="en-US" sz="2800" dirty="0">
+                <a:latin typeface="Calibri"/>
+                <a:ea typeface="Calibri"/>
+                <a:cs typeface="Calibri"/>
+              </a:rPr>
+              <a:t> its friendly tone, real-time information, and personalized support, the agent empowers users to make small choices that lead to big environmental impact—paving the way for a smarter, greener, and more responsible future.</a:t>
+            </a:r>
+          </a:p>
+          <a:p>
+            <a:pPr marL="305435" indent="-305435"/>
+            <a:endParaRPr lang="en-US" sz="2800" dirty="0">
+              <a:latin typeface="Calibri"/>
+              <a:ea typeface="Calibri"/>
+              <a:cs typeface="Calibri"/>
+            </a:endParaRPr>
           </a:p>
         </p:txBody>
       </p:sp>
@@ -4942,10 +5014,22 @@
           <a:bodyPr/>
           <a:lstStyle/>
           <a:p>
-            <a:r>
-              <a:rPr lang="en-IN" dirty="0"/>
-              <a:t>Make sure that there should be readme file</a:t>
-            </a:r>
+            <a:pPr marL="0" indent="0">
+              <a:buNone/>
+            </a:pPr>
+            <a:r>
+              <a:rPr lang="en-IN" dirty="0">
+                <a:hlinkClick r:id="rId2"/>
+              </a:rPr>
+              <a:t>https://github.com/Shreyayadav111/ECO_AGENT.git</a:t>
+            </a:r>
+            <a:endParaRPr lang="en-IN" dirty="0"/>
+          </a:p>
+          <a:p>
+            <a:pPr marL="0" indent="0">
+              <a:buNone/>
+            </a:pPr>
+            <a:endParaRPr lang="en-IN" dirty="0"/>
           </a:p>
         </p:txBody>
       </p:sp>
@@ -4995,75 +5079,58 @@
             <p:ph idx="1"/>
           </p:nvPr>
         </p:nvSpPr>
-        <p:spPr/>
+        <p:spPr>
+          <a:xfrm>
+            <a:off x="581192" y="1479006"/>
+            <a:ext cx="11029615" cy="4673324"/>
+          </a:xfrm>
+        </p:spPr>
         <p:txBody>
           <a:bodyPr/>
           <a:lstStyle/>
           <a:p>
+            <a:r>
+              <a:rPr lang="en-US" sz="2800" dirty="0"/>
+              <a:t>Voice-based assistant for low-literacy or elderly users</a:t>
+            </a:r>
+          </a:p>
+          <a:p>
+            <a:r>
+              <a:rPr lang="en-US" sz="2800" dirty="0"/>
+              <a:t>Smart home &amp; wearable integration</a:t>
+            </a:r>
+          </a:p>
+          <a:p>
+            <a:r>
+              <a:rPr lang="en-US" sz="2800" dirty="0"/>
+              <a:t>Carbon footprint tracker</a:t>
+            </a:r>
+          </a:p>
+          <a:p>
+            <a:r>
+              <a:rPr lang="en-US" sz="2800" dirty="0"/>
+              <a:t>Eco-point gamification and rewards system</a:t>
+            </a:r>
+          </a:p>
+          <a:p>
+            <a:r>
+              <a:rPr lang="en-US" sz="2800" dirty="0"/>
+              <a:t>Partnership with local NGOs and recycling units</a:t>
+            </a:r>
+          </a:p>
+          <a:p>
+            <a:r>
+              <a:rPr lang="en-US" sz="2800" dirty="0"/>
+              <a:t>Expansion to multilingual and rural-friendly versions</a:t>
+            </a:r>
+          </a:p>
+          <a:p>
             <a:pPr marL="305435" indent="-305435"/>
-            <a:r>
-              <a:rPr lang="en-US" sz="2800" dirty="0">
-                <a:latin typeface="Calibri"/>
-                <a:ea typeface="+mn-lt"/>
-                <a:cs typeface="+mn-lt"/>
-              </a:rPr>
-              <a:t>Multilingual Research Support</a:t>
-            </a:r>
-          </a:p>
-          <a:p>
-            <a:pPr marL="305435" indent="-305435"/>
-            <a:r>
-              <a:rPr lang="en-US" sz="2800" dirty="0">
-                <a:latin typeface="Calibri"/>
-                <a:ea typeface="+mn-lt"/>
-                <a:cs typeface="+mn-lt"/>
-              </a:rPr>
-              <a:t>Voice-Activated Research Assistant</a:t>
-            </a:r>
-          </a:p>
-          <a:p>
-            <a:pPr marL="305435" indent="-305435"/>
-            <a:r>
-              <a:rPr lang="en-US" sz="2800" dirty="0">
-                <a:latin typeface="Calibri"/>
-                <a:ea typeface="+mn-lt"/>
-                <a:cs typeface="+mn-lt"/>
-              </a:rPr>
-              <a:t>Real-Time Collaboration Features</a:t>
-            </a:r>
-          </a:p>
-          <a:p>
-            <a:pPr marL="305435" indent="-305435"/>
-            <a:r>
-              <a:rPr lang="en-US" sz="2800" dirty="0">
-                <a:latin typeface="Calibri"/>
-                <a:ea typeface="+mn-lt"/>
-                <a:cs typeface="+mn-lt"/>
-              </a:rPr>
-              <a:t>Research Gap and Novel Topic Identification</a:t>
-            </a:r>
-          </a:p>
-          <a:p>
-            <a:pPr marL="305435" indent="-305435"/>
-            <a:r>
-              <a:rPr lang="en-US" sz="2800" dirty="0">
-                <a:latin typeface="Calibri"/>
-                <a:ea typeface="+mn-lt"/>
-                <a:cs typeface="+mn-lt"/>
-              </a:rPr>
-              <a:t>Integration with Publishing Platforms</a:t>
-            </a:r>
-          </a:p>
-          <a:p>
-            <a:pPr marL="305435" indent="-305435"/>
-            <a:r>
-              <a:rPr lang="en-US" sz="2800" dirty="0">
-                <a:latin typeface="Calibri"/>
-                <a:ea typeface="+mn-lt"/>
-                <a:cs typeface="+mn-lt"/>
-              </a:rPr>
-              <a:t>AI-Assisted Paper Drafting</a:t>
-            </a:r>
+            <a:endParaRPr lang="en-US" sz="2800" dirty="0">
+              <a:latin typeface="Calibri"/>
+              <a:ea typeface="+mn-lt"/>
+              <a:cs typeface="+mn-lt"/>
+            </a:endParaRPr>
           </a:p>
         </p:txBody>
       </p:sp>
@@ -5248,42 +5315,35 @@
           </a:p>
         </p:txBody>
       </p:sp>
-      <p:sp>
-        <p:nvSpPr>
-          <p:cNvPr id="3" name="Content Placeholder 2">
+      <p:pic>
+        <p:nvPicPr>
+          <p:cNvPr id="9" name="Content Placeholder 8">
             <a:extLst>
               <a:ext uri="{FF2B5EF4-FFF2-40B4-BE49-F238E27FC236}">
-                <a16:creationId xmlns:a16="http://schemas.microsoft.com/office/drawing/2014/main" id="{177D9613-6E93-8A63-8EC7-750760D77FD8}"/>
+                <a16:creationId xmlns:a16="http://schemas.microsoft.com/office/drawing/2014/main" id="{A1562659-B73A-C79E-5574-EF83686AD2C8}"/>
               </a:ext>
             </a:extLst>
           </p:cNvPr>
-          <p:cNvSpPr>
-            <a:spLocks noGrp="1"/>
-          </p:cNvSpPr>
+          <p:cNvPicPr>
+            <a:picLocks noGrp="1" noChangeAspect="1"/>
+          </p:cNvPicPr>
           <p:nvPr>
             <p:ph idx="1"/>
           </p:nvPr>
-        </p:nvSpPr>
-        <p:spPr/>
-        <p:txBody>
-          <a:bodyPr/>
-          <a:lstStyle/>
-          <a:p>
-            <a:r>
-              <a:rPr lang="en-IN" dirty="0"/>
-              <a:t>Screenshot/ </a:t>
-            </a:r>
-            <a:r>
-              <a:rPr lang="en-IN" dirty="0" err="1"/>
-              <a:t>credly</a:t>
-            </a:r>
-            <a:r>
-              <a:rPr lang="en-IN" dirty="0"/>
-              <a:t> certificate( getting started with AI)</a:t>
-            </a:r>
-          </a:p>
-        </p:txBody>
-      </p:sp>
+        </p:nvPicPr>
+        <p:blipFill>
+          <a:blip r:embed="rId2"/>
+          <a:stretch>
+            <a:fillRect/>
+          </a:stretch>
+        </p:blipFill>
+        <p:spPr>
+          <a:xfrm>
+            <a:off x="3071906" y="1596718"/>
+            <a:ext cx="6048188" cy="4673600"/>
+          </a:xfrm>
+        </p:spPr>
+      </p:pic>
     </p:spTree>
     <p:extLst>
       <p:ext uri="{BB962C8B-B14F-4D97-AF65-F5344CB8AC3E}">
@@ -5314,34 +5374,36 @@
           <a:chExt cx="0" cy="0"/>
         </a:xfrm>
       </p:grpSpPr>
-      <p:sp>
-        <p:nvSpPr>
-          <p:cNvPr id="4" name="Rectangle 3"/>
-          <p:cNvSpPr/>
+      <p:pic>
+        <p:nvPicPr>
+          <p:cNvPr id="3" name="Picture 2">
+            <a:extLst>
+              <a:ext uri="{FF2B5EF4-FFF2-40B4-BE49-F238E27FC236}">
+                <a16:creationId xmlns:a16="http://schemas.microsoft.com/office/drawing/2014/main" id="{591F5B31-8E2F-C89E-A073-BCCD47A11FD5}"/>
+              </a:ext>
+            </a:extLst>
+          </p:cNvPr>
+          <p:cNvPicPr>
+            <a:picLocks noChangeAspect="1"/>
+          </p:cNvPicPr>
           <p:nvPr/>
-        </p:nvSpPr>
+        </p:nvPicPr>
+        <p:blipFill>
+          <a:blip r:embed="rId2"/>
+          <a:stretch>
+            <a:fillRect/>
+          </a:stretch>
+        </p:blipFill>
         <p:spPr>
           <a:xfrm>
-            <a:off x="416967" y="3031897"/>
-            <a:ext cx="3758401" cy="369332"/>
+            <a:off x="2818786" y="1225805"/>
+            <a:ext cx="7957369" cy="5009831"/>
           </a:xfrm>
           <a:prstGeom prst="rect">
             <a:avLst/>
           </a:prstGeom>
         </p:spPr>
-        <p:txBody>
-          <a:bodyPr wrap="none">
-            <a:spAutoFit/>
-          </a:bodyPr>
-          <a:lstStyle/>
-          <a:p>
-            <a:r>
-              <a:rPr lang="en-IN" dirty="0"/>
-              <a:t>Attach your  RAG LAB certificate here</a:t>
-            </a:r>
-          </a:p>
-        </p:txBody>
-      </p:sp>
+      </p:pic>
     </p:spTree>
     <p:extLst>
       <p:ext uri="{BB962C8B-B14F-4D97-AF65-F5344CB8AC3E}">
@@ -5704,7 +5766,7 @@
           <a:lstStyle/>
           <a:p>
             <a:r>
-              <a:rPr lang="en-US" sz="4400" b="1">
+              <a:rPr lang="en-US" sz="4400" b="1" dirty="0">
                 <a:solidFill>
                   <a:schemeClr val="accent1"/>
                 </a:solidFill>
@@ -5713,64 +5775,742 @@
               </a:rPr>
               <a:t>Problem Statement</a:t>
             </a:r>
-            <a:endParaRPr lang="en-US" sz="4400"/>
-          </a:p>
-        </p:txBody>
-      </p:sp>
-      <p:sp>
-        <p:nvSpPr>
-          <p:cNvPr id="2" name="Content Placeholder 1">
+            <a:endParaRPr lang="en-US" sz="4400" dirty="0"/>
+          </a:p>
+        </p:txBody>
+      </p:sp>
+      <p:sp>
+        <p:nvSpPr>
+          <p:cNvPr id="7" name="Rectangle 4">
             <a:extLst>
               <a:ext uri="{FF2B5EF4-FFF2-40B4-BE49-F238E27FC236}">
-                <a16:creationId xmlns:a16="http://schemas.microsoft.com/office/drawing/2014/main" id="{8FEE4A9C-3F57-7DA7-91FD-715C3FB47F93}"/>
+                <a16:creationId xmlns:a16="http://schemas.microsoft.com/office/drawing/2014/main" id="{D686AFB2-0655-4FF4-6D2C-50609EE835FB}"/>
               </a:ext>
             </a:extLst>
           </p:cNvPr>
           <p:cNvSpPr>
-            <a:spLocks noGrp="1"/>
-          </p:cNvSpPr>
-          <p:nvPr>
-            <p:ph idx="1"/>
-          </p:nvPr>
-        </p:nvSpPr>
-        <p:spPr>
+            <a:spLocks noChangeArrowheads="1"/>
+          </p:cNvSpPr>
+          <p:nvPr/>
+        </p:nvSpPr>
+        <p:spPr bwMode="auto">
           <a:xfrm>
-            <a:off x="422907" y="1482520"/>
-            <a:ext cx="11029615" cy="4673324"/>
+            <a:off x="0" y="-184666"/>
+            <a:ext cx="264816" cy="369332"/>
           </a:xfrm>
+          <a:prstGeom prst="rect">
+            <a:avLst/>
+          </a:prstGeom>
+          <a:noFill/>
+          <a:ln>
+            <a:noFill/>
+          </a:ln>
+          <a:effectLst/>
+          <a:extLst>
+            <a:ext uri="{909E8E84-426E-40DD-AFC4-6F175D3DCCD1}">
+              <a14:hiddenFill xmlns:a14="http://schemas.microsoft.com/office/drawing/2010/main">
+                <a:solidFill>
+                  <a:schemeClr val="accent1"/>
+                </a:solidFill>
+              </a14:hiddenFill>
+            </a:ext>
+            <a:ext uri="{91240B29-F687-4F45-9708-019B960494DF}">
+              <a14:hiddenLine xmlns:a14="http://schemas.microsoft.com/office/drawing/2010/main" w="9525">
+                <a:solidFill>
+                  <a:schemeClr val="tx1"/>
+                </a:solidFill>
+                <a:miter lim="800000"/>
+                <a:headEnd/>
+                <a:tailEnd/>
+              </a14:hiddenLine>
+            </a:ext>
+            <a:ext uri="{AF507438-7753-43E0-B8FC-AC1667EBCBE1}">
+              <a14:hiddenEffects xmlns:a14="http://schemas.microsoft.com/office/drawing/2010/main">
+                <a:effectLst>
+                  <a:outerShdw dist="35921" dir="2700000" algn="ctr" rotWithShape="0">
+                    <a:schemeClr val="bg2"/>
+                  </a:outerShdw>
+                </a:effectLst>
+              </a14:hiddenEffects>
+            </a:ext>
+          </a:extLst>
         </p:spPr>
         <p:txBody>
-          <a:bodyPr>
-            <a:normAutofit/>
+          <a:bodyPr vert="horz" wrap="none" lIns="91440" tIns="45720" rIns="91440" bIns="45720" numCol="1" anchor="ctr" anchorCtr="0" compatLnSpc="1">
+            <a:prstTxWarp prst="textNoShape">
+              <a:avLst/>
+            </a:prstTxWarp>
+            <a:spAutoFit/>
           </a:bodyPr>
           <a:lstStyle/>
           <a:p>
-            <a:pPr marL="0" indent="0">
-              <a:buNone/>
+            <a:pPr marL="0" marR="0" lvl="0" indent="0" algn="l" defTabSz="914400" rtl="0" eaLnBrk="0" fontAlgn="base" latinLnBrk="0" hangingPunct="0">
+              <a:lnSpc>
+                <a:spcPct val="100000"/>
+              </a:lnSpc>
+              <a:spcBef>
+                <a:spcPct val="0"/>
+              </a:spcBef>
+              <a:spcAft>
+                <a:spcPct val="0"/>
+              </a:spcAft>
+              <a:buClrTx/>
+              <a:buSzTx/>
+              <a:buFontTx/>
+              <a:buChar char="•"/>
+              <a:tabLst/>
             </a:pPr>
-            <a:r>
-              <a:rPr lang="en-US" sz="2400" b="1" dirty="0"/>
-              <a:t>The Challenge </a:t>
-            </a:r>
-            <a:r>
-              <a:rPr lang="en-US" sz="2400" dirty="0"/>
-              <a:t>– An Eco Lifestyle Agent, powered by RAG (Retrieval-Augmented Generation), empowers users to adopt a greener lifestyle through personalized, practical suggestions. It retrieves sustainable living tips, eco-friendly product recommendations, local recycling guidelines, and government schemes from trusted environmental sources. Users can ask natural language questions such as “How can I reduce plastic use at home?” or “What are eco-friendly travel options in my city?” and receive instant, actionable guidance. The agent promotes small daily actions with big environmental impact, making sustainability easy and accessible. This AI-driven assistant fosters eco-conscious decisions, raises awareness, and helps build a more sustainable future. </a:t>
-            </a:r>
-            <a:br>
-              <a:rPr lang="en-US" sz="2800" dirty="0">
-                <a:latin typeface="Calibri"/>
-                <a:ea typeface="Calibri"/>
-                <a:cs typeface="Calibri"/>
-              </a:rPr>
-            </a:br>
-            <a:endParaRPr lang="en-US" sz="1100" dirty="0">
+            <a:endParaRPr kumimoji="0" lang="en-US" altLang="en-US" sz="1800" b="0" i="0" u="none" strike="noStrike" cap="none" normalizeH="0" baseline="0" dirty="0">
+              <a:ln>
+                <a:noFill/>
+              </a:ln>
               <a:solidFill>
-                <a:srgbClr val="404040"/>
+                <a:schemeClr val="tx1"/>
               </a:solidFill>
-              <a:latin typeface="Calibri"/>
-              <a:ea typeface="Calibri"/>
-              <a:cs typeface="Calibri"/>
+              <a:effectLst/>
+              <a:latin typeface="Arial" panose="020B0604020202020204" pitchFamily="34" charset="0"/>
             </a:endParaRPr>
+          </a:p>
+        </p:txBody>
+      </p:sp>
+      <p:sp>
+        <p:nvSpPr>
+          <p:cNvPr id="13" name="Rectangle 8">
+            <a:extLst>
+              <a:ext uri="{FF2B5EF4-FFF2-40B4-BE49-F238E27FC236}">
+                <a16:creationId xmlns:a16="http://schemas.microsoft.com/office/drawing/2014/main" id="{90C38B61-C8A8-8007-A025-5501313828B6}"/>
+              </a:ext>
+            </a:extLst>
+          </p:cNvPr>
+          <p:cNvSpPr>
+            <a:spLocks noGrp="1" noChangeArrowheads="1"/>
+          </p:cNvSpPr>
+          <p:nvPr>
+            <p:ph idx="1"/>
+          </p:nvPr>
+        </p:nvSpPr>
+        <p:spPr bwMode="auto">
+          <a:xfrm>
+            <a:off x="264815" y="1305265"/>
+            <a:ext cx="11642049" cy="5324535"/>
+          </a:xfrm>
+          <a:prstGeom prst="rect">
+            <a:avLst/>
+          </a:prstGeom>
+          <a:noFill/>
+          <a:ln>
+            <a:noFill/>
+          </a:ln>
+          <a:effectLst/>
+          <a:extLst>
+            <a:ext uri="{909E8E84-426E-40DD-AFC4-6F175D3DCCD1}">
+              <a14:hiddenFill xmlns:a14="http://schemas.microsoft.com/office/drawing/2010/main">
+                <a:solidFill>
+                  <a:schemeClr val="accent1"/>
+                </a:solidFill>
+              </a14:hiddenFill>
+            </a:ext>
+            <a:ext uri="{91240B29-F687-4F45-9708-019B960494DF}">
+              <a14:hiddenLine xmlns:a14="http://schemas.microsoft.com/office/drawing/2010/main" w="9525">
+                <a:solidFill>
+                  <a:schemeClr val="tx1"/>
+                </a:solidFill>
+                <a:miter lim="800000"/>
+                <a:headEnd/>
+                <a:tailEnd/>
+              </a14:hiddenLine>
+            </a:ext>
+            <a:ext uri="{AF507438-7753-43E0-B8FC-AC1667EBCBE1}">
+              <a14:hiddenEffects xmlns:a14="http://schemas.microsoft.com/office/drawing/2010/main">
+                <a:effectLst>
+                  <a:outerShdw dist="35921" dir="2700000" algn="ctr" rotWithShape="0">
+                    <a:schemeClr val="bg2"/>
+                  </a:outerShdw>
+                </a:effectLst>
+              </a14:hiddenEffects>
+            </a:ext>
+          </a:extLst>
+        </p:spPr>
+        <p:txBody>
+          <a:bodyPr vert="horz" wrap="square" lIns="91440" tIns="45720" rIns="91440" bIns="45720" numCol="1" anchor="ctr" anchorCtr="0" compatLnSpc="1">
+            <a:prstTxWarp prst="textNoShape">
+              <a:avLst/>
+            </a:prstTxWarp>
+            <a:spAutoFit/>
+          </a:bodyPr>
+          <a:lstStyle/>
+          <a:p>
+            <a:pPr marR="0" lvl="0" algn="l" defTabSz="914400" rtl="0" eaLnBrk="0" fontAlgn="base" latinLnBrk="0" hangingPunct="0">
+              <a:lnSpc>
+                <a:spcPct val="100000"/>
+              </a:lnSpc>
+              <a:spcBef>
+                <a:spcPct val="0"/>
+              </a:spcBef>
+              <a:spcAft>
+                <a:spcPct val="0"/>
+              </a:spcAft>
+              <a:buSzTx/>
+              <a:buFont typeface="Wingdings" panose="05000000000000000000" pitchFamily="2" charset="2"/>
+              <a:buChar char="§"/>
+              <a:tabLst/>
+            </a:pPr>
+            <a:r>
+              <a:rPr kumimoji="0" lang="en-US" altLang="en-US" sz="2000" b="0" i="0" u="none" strike="noStrike" cap="none" normalizeH="0" baseline="0" dirty="0">
+                <a:ln>
+                  <a:noFill/>
+                </a:ln>
+                <a:solidFill>
+                  <a:schemeClr val="tx1"/>
+                </a:solidFill>
+                <a:effectLst/>
+                <a:latin typeface="Arial" panose="020B0604020202020204" pitchFamily="34" charset="0"/>
+              </a:rPr>
+              <a:t>Many people want to live sustainably but are overwhelmed by </a:t>
+            </a:r>
+            <a:r>
+              <a:rPr kumimoji="0" lang="en-US" altLang="en-US" sz="2000" b="1" i="0" u="none" strike="noStrike" cap="none" normalizeH="0" baseline="0" dirty="0">
+                <a:ln>
+                  <a:noFill/>
+                </a:ln>
+                <a:solidFill>
+                  <a:schemeClr val="tx1"/>
+                </a:solidFill>
+                <a:effectLst/>
+                <a:latin typeface="Arial" panose="020B0604020202020204" pitchFamily="34" charset="0"/>
+              </a:rPr>
+              <a:t>too much or conflicting information</a:t>
+            </a:r>
+            <a:r>
+              <a:rPr kumimoji="0" lang="en-US" altLang="en-US" sz="2000" b="0" i="0" u="none" strike="noStrike" cap="none" normalizeH="0" baseline="0" dirty="0">
+                <a:ln>
+                  <a:noFill/>
+                </a:ln>
+                <a:solidFill>
+                  <a:schemeClr val="tx1"/>
+                </a:solidFill>
+                <a:effectLst/>
+                <a:latin typeface="Arial" panose="020B0604020202020204" pitchFamily="34" charset="0"/>
+              </a:rPr>
+              <a:t> online.</a:t>
+            </a:r>
+          </a:p>
+          <a:p>
+            <a:pPr marR="0" lvl="0" algn="l" defTabSz="914400" rtl="0" eaLnBrk="0" fontAlgn="base" latinLnBrk="0" hangingPunct="0">
+              <a:lnSpc>
+                <a:spcPct val="100000"/>
+              </a:lnSpc>
+              <a:spcBef>
+                <a:spcPct val="0"/>
+              </a:spcBef>
+              <a:spcAft>
+                <a:spcPct val="0"/>
+              </a:spcAft>
+              <a:buSzTx/>
+              <a:buFont typeface="Wingdings" panose="05000000000000000000" pitchFamily="2" charset="2"/>
+              <a:buChar char="§"/>
+              <a:tabLst/>
+            </a:pPr>
+            <a:r>
+              <a:rPr kumimoji="0" lang="en-US" altLang="en-US" sz="2000" b="0" i="0" u="none" strike="noStrike" cap="none" normalizeH="0" baseline="0" dirty="0">
+                <a:ln>
+                  <a:noFill/>
+                </a:ln>
+                <a:solidFill>
+                  <a:schemeClr val="tx1"/>
+                </a:solidFill>
+                <a:effectLst/>
+                <a:latin typeface="Arial" panose="020B0604020202020204" pitchFamily="34" charset="0"/>
+              </a:rPr>
+              <a:t>There is often </a:t>
+            </a:r>
+            <a:r>
+              <a:rPr kumimoji="0" lang="en-US" altLang="en-US" sz="2000" b="1" i="0" u="none" strike="noStrike" cap="none" normalizeH="0" baseline="0" dirty="0">
+                <a:ln>
+                  <a:noFill/>
+                </a:ln>
+                <a:solidFill>
+                  <a:schemeClr val="tx1"/>
+                </a:solidFill>
+                <a:effectLst/>
+                <a:latin typeface="Arial" panose="020B0604020202020204" pitchFamily="34" charset="0"/>
+              </a:rPr>
+              <a:t>no clear starting point</a:t>
+            </a:r>
+            <a:r>
+              <a:rPr kumimoji="0" lang="en-US" altLang="en-US" sz="2000" b="0" i="0" u="none" strike="noStrike" cap="none" normalizeH="0" baseline="0" dirty="0">
+                <a:ln>
+                  <a:noFill/>
+                </a:ln>
+                <a:solidFill>
+                  <a:schemeClr val="tx1"/>
+                </a:solidFill>
+                <a:effectLst/>
+                <a:latin typeface="Arial" panose="020B0604020202020204" pitchFamily="34" charset="0"/>
+              </a:rPr>
+              <a:t> for adopting eco-friendly habits in daily life.</a:t>
+            </a:r>
+          </a:p>
+          <a:p>
+            <a:pPr marR="0" lvl="0" algn="l" defTabSz="914400" rtl="0" eaLnBrk="0" fontAlgn="base" latinLnBrk="0" hangingPunct="0">
+              <a:lnSpc>
+                <a:spcPct val="100000"/>
+              </a:lnSpc>
+              <a:spcBef>
+                <a:spcPct val="0"/>
+              </a:spcBef>
+              <a:spcAft>
+                <a:spcPct val="0"/>
+              </a:spcAft>
+              <a:buSzTx/>
+              <a:buFont typeface="Wingdings" panose="05000000000000000000" pitchFamily="2" charset="2"/>
+              <a:buChar char="§"/>
+              <a:tabLst/>
+            </a:pPr>
+            <a:r>
+              <a:rPr kumimoji="0" lang="en-US" altLang="en-US" sz="2000" b="1" i="0" u="none" strike="noStrike" cap="none" normalizeH="0" baseline="0" dirty="0">
+                <a:ln>
+                  <a:noFill/>
+                </a:ln>
+                <a:solidFill>
+                  <a:schemeClr val="tx1"/>
+                </a:solidFill>
+                <a:effectLst/>
+                <a:latin typeface="Arial" panose="020B0604020202020204" pitchFamily="34" charset="0"/>
+              </a:rPr>
+              <a:t>Lack of personalized guidance</a:t>
+            </a:r>
+            <a:r>
+              <a:rPr kumimoji="0" lang="en-US" altLang="en-US" sz="2000" b="0" i="0" u="none" strike="noStrike" cap="none" normalizeH="0" baseline="0" dirty="0">
+                <a:ln>
+                  <a:noFill/>
+                </a:ln>
+                <a:solidFill>
+                  <a:schemeClr val="tx1"/>
+                </a:solidFill>
+                <a:effectLst/>
+                <a:latin typeface="Arial" panose="020B0604020202020204" pitchFamily="34" charset="0"/>
+              </a:rPr>
+              <a:t> makes it difficult to choose the right eco-friendly products or actions.</a:t>
+            </a:r>
+          </a:p>
+          <a:p>
+            <a:pPr marR="0" lvl="0" algn="l" defTabSz="914400" rtl="0" eaLnBrk="0" fontAlgn="base" latinLnBrk="0" hangingPunct="0">
+              <a:lnSpc>
+                <a:spcPct val="100000"/>
+              </a:lnSpc>
+              <a:spcBef>
+                <a:spcPct val="0"/>
+              </a:spcBef>
+              <a:spcAft>
+                <a:spcPct val="0"/>
+              </a:spcAft>
+              <a:buSzTx/>
+              <a:buFont typeface="Wingdings" panose="05000000000000000000" pitchFamily="2" charset="2"/>
+              <a:buChar char="§"/>
+              <a:tabLst/>
+            </a:pPr>
+            <a:r>
+              <a:rPr kumimoji="0" lang="en-US" altLang="en-US" sz="2000" b="1" i="0" u="none" strike="noStrike" cap="none" normalizeH="0" baseline="0" dirty="0">
+                <a:ln>
+                  <a:noFill/>
+                </a:ln>
+                <a:solidFill>
+                  <a:schemeClr val="tx1"/>
+                </a:solidFill>
+                <a:effectLst/>
+                <a:latin typeface="Arial" panose="020B0604020202020204" pitchFamily="34" charset="0"/>
+              </a:rPr>
+              <a:t>Sustainable options</a:t>
+            </a:r>
+            <a:r>
+              <a:rPr kumimoji="0" lang="en-US" altLang="en-US" sz="2000" b="0" i="0" u="none" strike="noStrike" cap="none" normalizeH="0" baseline="0" dirty="0">
+                <a:ln>
+                  <a:noFill/>
+                </a:ln>
+                <a:solidFill>
+                  <a:schemeClr val="tx1"/>
+                </a:solidFill>
+                <a:effectLst/>
+                <a:latin typeface="Arial" panose="020B0604020202020204" pitchFamily="34" charset="0"/>
+              </a:rPr>
+              <a:t> are often perceived as </a:t>
+            </a:r>
+            <a:r>
+              <a:rPr kumimoji="0" lang="en-US" altLang="en-US" sz="2000" b="1" i="0" u="none" strike="noStrike" cap="none" normalizeH="0" baseline="0" dirty="0">
+                <a:ln>
+                  <a:noFill/>
+                </a:ln>
+                <a:solidFill>
+                  <a:schemeClr val="tx1"/>
+                </a:solidFill>
+                <a:effectLst/>
+                <a:latin typeface="Arial" panose="020B0604020202020204" pitchFamily="34" charset="0"/>
+              </a:rPr>
+              <a:t>costly, complex, or inconvenient</a:t>
+            </a:r>
+            <a:r>
+              <a:rPr kumimoji="0" lang="en-US" altLang="en-US" sz="2000" b="0" i="0" u="none" strike="noStrike" cap="none" normalizeH="0" baseline="0" dirty="0">
+                <a:ln>
+                  <a:noFill/>
+                </a:ln>
+                <a:solidFill>
+                  <a:schemeClr val="tx1"/>
+                </a:solidFill>
+                <a:effectLst/>
+                <a:latin typeface="Arial" panose="020B0604020202020204" pitchFamily="34" charset="0"/>
+              </a:rPr>
+              <a:t>.</a:t>
+            </a:r>
+          </a:p>
+          <a:p>
+            <a:pPr marR="0" lvl="0" algn="l" defTabSz="914400" rtl="0" eaLnBrk="0" fontAlgn="base" latinLnBrk="0" hangingPunct="0">
+              <a:lnSpc>
+                <a:spcPct val="100000"/>
+              </a:lnSpc>
+              <a:spcBef>
+                <a:spcPct val="0"/>
+              </a:spcBef>
+              <a:spcAft>
+                <a:spcPct val="0"/>
+              </a:spcAft>
+              <a:buSzTx/>
+              <a:buFont typeface="Wingdings" panose="05000000000000000000" pitchFamily="2" charset="2"/>
+              <a:buChar char="§"/>
+              <a:tabLst/>
+            </a:pPr>
+            <a:r>
+              <a:rPr kumimoji="0" lang="en-US" altLang="en-US" sz="2000" b="1" i="0" u="none" strike="noStrike" cap="none" normalizeH="0" baseline="0" dirty="0">
+                <a:ln>
+                  <a:noFill/>
+                </a:ln>
+                <a:solidFill>
+                  <a:schemeClr val="tx1"/>
+                </a:solidFill>
+                <a:effectLst/>
+                <a:latin typeface="Arial" panose="020B0604020202020204" pitchFamily="34" charset="0"/>
+              </a:rPr>
+              <a:t>Local recycling rules</a:t>
+            </a:r>
+            <a:r>
+              <a:rPr kumimoji="0" lang="en-US" altLang="en-US" sz="2000" b="0" i="0" u="none" strike="noStrike" cap="none" normalizeH="0" baseline="0" dirty="0">
+                <a:ln>
+                  <a:noFill/>
+                </a:ln>
+                <a:solidFill>
+                  <a:schemeClr val="tx1"/>
+                </a:solidFill>
+                <a:effectLst/>
+                <a:latin typeface="Arial" panose="020B0604020202020204" pitchFamily="34" charset="0"/>
+              </a:rPr>
+              <a:t>, green product availability, and government schemes vary by region and are </a:t>
+            </a:r>
+            <a:r>
+              <a:rPr kumimoji="0" lang="en-US" altLang="en-US" sz="2000" b="1" i="0" u="none" strike="noStrike" cap="none" normalizeH="0" baseline="0" dirty="0">
+                <a:ln>
+                  <a:noFill/>
+                </a:ln>
+                <a:solidFill>
+                  <a:schemeClr val="tx1"/>
+                </a:solidFill>
+                <a:effectLst/>
+                <a:latin typeface="Arial" panose="020B0604020202020204" pitchFamily="34" charset="0"/>
+              </a:rPr>
+              <a:t>not easily accessible</a:t>
+            </a:r>
+            <a:r>
+              <a:rPr kumimoji="0" lang="en-US" altLang="en-US" sz="2000" b="0" i="0" u="none" strike="noStrike" cap="none" normalizeH="0" baseline="0" dirty="0">
+                <a:ln>
+                  <a:noFill/>
+                </a:ln>
+                <a:solidFill>
+                  <a:schemeClr val="tx1"/>
+                </a:solidFill>
+                <a:effectLst/>
+                <a:latin typeface="Arial" panose="020B0604020202020204" pitchFamily="34" charset="0"/>
+              </a:rPr>
+              <a:t>.</a:t>
+            </a:r>
+          </a:p>
+          <a:p>
+            <a:pPr marR="0" lvl="0" algn="l" defTabSz="914400" rtl="0" eaLnBrk="0" fontAlgn="base" latinLnBrk="0" hangingPunct="0">
+              <a:lnSpc>
+                <a:spcPct val="100000"/>
+              </a:lnSpc>
+              <a:spcBef>
+                <a:spcPct val="0"/>
+              </a:spcBef>
+              <a:spcAft>
+                <a:spcPct val="0"/>
+              </a:spcAft>
+              <a:buSzTx/>
+              <a:buFont typeface="Wingdings" panose="05000000000000000000" pitchFamily="2" charset="2"/>
+              <a:buChar char="§"/>
+              <a:tabLst/>
+            </a:pPr>
+            <a:r>
+              <a:rPr kumimoji="0" lang="en-US" altLang="en-US" sz="2000" b="0" i="0" u="none" strike="noStrike" cap="none" normalizeH="0" baseline="0" dirty="0">
+                <a:ln>
+                  <a:noFill/>
+                </a:ln>
+                <a:solidFill>
+                  <a:schemeClr val="tx1"/>
+                </a:solidFill>
+                <a:effectLst/>
+                <a:latin typeface="Arial" panose="020B0604020202020204" pitchFamily="34" charset="0"/>
+              </a:rPr>
+              <a:t>Important </a:t>
+            </a:r>
+            <a:r>
+              <a:rPr kumimoji="0" lang="en-US" altLang="en-US" sz="2000" b="1" i="0" u="none" strike="noStrike" cap="none" normalizeH="0" baseline="0" dirty="0">
+                <a:ln>
+                  <a:noFill/>
+                </a:ln>
+                <a:solidFill>
+                  <a:schemeClr val="tx1"/>
+                </a:solidFill>
+                <a:effectLst/>
+                <a:latin typeface="Arial" panose="020B0604020202020204" pitchFamily="34" charset="0"/>
+              </a:rPr>
+              <a:t>government and NGO initiatives</a:t>
+            </a:r>
+            <a:r>
+              <a:rPr kumimoji="0" lang="en-US" altLang="en-US" sz="2000" b="0" i="0" u="none" strike="noStrike" cap="none" normalizeH="0" baseline="0" dirty="0">
+                <a:ln>
+                  <a:noFill/>
+                </a:ln>
+                <a:solidFill>
+                  <a:schemeClr val="tx1"/>
+                </a:solidFill>
+                <a:effectLst/>
+                <a:latin typeface="Arial" panose="020B0604020202020204" pitchFamily="34" charset="0"/>
+              </a:rPr>
+              <a:t> are underutilized due to poor digital outreach.</a:t>
+            </a:r>
+          </a:p>
+          <a:p>
+            <a:pPr marR="0" lvl="0" algn="l" defTabSz="914400" rtl="0" eaLnBrk="0" fontAlgn="base" latinLnBrk="0" hangingPunct="0">
+              <a:lnSpc>
+                <a:spcPct val="100000"/>
+              </a:lnSpc>
+              <a:spcBef>
+                <a:spcPct val="0"/>
+              </a:spcBef>
+              <a:spcAft>
+                <a:spcPct val="0"/>
+              </a:spcAft>
+              <a:buSzTx/>
+              <a:buFont typeface="Wingdings" panose="05000000000000000000" pitchFamily="2" charset="2"/>
+              <a:buChar char="§"/>
+              <a:tabLst/>
+            </a:pPr>
+            <a:r>
+              <a:rPr kumimoji="0" lang="en-US" altLang="en-US" sz="2000" b="0" i="0" u="none" strike="noStrike" cap="none" normalizeH="0" baseline="0" dirty="0">
+                <a:ln>
+                  <a:noFill/>
+                </a:ln>
+                <a:solidFill>
+                  <a:schemeClr val="tx1"/>
+                </a:solidFill>
+                <a:effectLst/>
+                <a:latin typeface="Arial" panose="020B0604020202020204" pitchFamily="34" charset="0"/>
+              </a:rPr>
+              <a:t>Users lack a tool that provides </a:t>
+            </a:r>
+            <a:r>
+              <a:rPr kumimoji="0" lang="en-US" altLang="en-US" sz="2000" b="1" i="0" u="none" strike="noStrike" cap="none" normalizeH="0" baseline="0" dirty="0">
+                <a:ln>
+                  <a:noFill/>
+                </a:ln>
+                <a:solidFill>
+                  <a:schemeClr val="tx1"/>
+                </a:solidFill>
+                <a:effectLst/>
+                <a:latin typeface="Arial" panose="020B0604020202020204" pitchFamily="34" charset="0"/>
+              </a:rPr>
+              <a:t>real-time, location-based, and verified environmental information</a:t>
+            </a:r>
+            <a:r>
+              <a:rPr kumimoji="0" lang="en-US" altLang="en-US" sz="2000" b="0" i="0" u="none" strike="noStrike" cap="none" normalizeH="0" baseline="0" dirty="0">
+                <a:ln>
+                  <a:noFill/>
+                </a:ln>
+                <a:solidFill>
+                  <a:schemeClr val="tx1"/>
+                </a:solidFill>
+                <a:effectLst/>
+                <a:latin typeface="Arial" panose="020B0604020202020204" pitchFamily="34" charset="0"/>
+              </a:rPr>
+              <a:t>.</a:t>
+            </a:r>
+          </a:p>
+          <a:p>
+            <a:pPr marR="0" lvl="0" algn="l" defTabSz="914400" rtl="0" eaLnBrk="0" fontAlgn="base" latinLnBrk="0" hangingPunct="0">
+              <a:lnSpc>
+                <a:spcPct val="100000"/>
+              </a:lnSpc>
+              <a:spcBef>
+                <a:spcPct val="0"/>
+              </a:spcBef>
+              <a:spcAft>
+                <a:spcPct val="0"/>
+              </a:spcAft>
+              <a:buSzTx/>
+              <a:buFont typeface="Wingdings" panose="05000000000000000000" pitchFamily="2" charset="2"/>
+              <a:buChar char="§"/>
+              <a:tabLst/>
+            </a:pPr>
+            <a:r>
+              <a:rPr kumimoji="0" lang="en-US" altLang="en-US" sz="2000" b="0" i="0" u="none" strike="noStrike" cap="none" normalizeH="0" baseline="0" dirty="0">
+                <a:ln>
+                  <a:noFill/>
+                </a:ln>
+                <a:solidFill>
+                  <a:schemeClr val="tx1"/>
+                </a:solidFill>
+                <a:effectLst/>
+                <a:latin typeface="Arial" panose="020B0604020202020204" pitchFamily="34" charset="0"/>
+              </a:rPr>
+              <a:t>People need </a:t>
+            </a:r>
+            <a:r>
+              <a:rPr kumimoji="0" lang="en-US" altLang="en-US" sz="2000" b="1" i="0" u="none" strike="noStrike" cap="none" normalizeH="0" baseline="0" dirty="0">
+                <a:ln>
+                  <a:noFill/>
+                </a:ln>
+                <a:solidFill>
+                  <a:schemeClr val="tx1"/>
+                </a:solidFill>
+                <a:effectLst/>
+                <a:latin typeface="Arial" panose="020B0604020202020204" pitchFamily="34" charset="0"/>
+              </a:rPr>
+              <a:t>small, actionable suggestions</a:t>
+            </a:r>
+            <a:r>
+              <a:rPr kumimoji="0" lang="en-US" altLang="en-US" sz="2000" b="0" i="0" u="none" strike="noStrike" cap="none" normalizeH="0" baseline="0" dirty="0">
+                <a:ln>
+                  <a:noFill/>
+                </a:ln>
+                <a:solidFill>
+                  <a:schemeClr val="tx1"/>
+                </a:solidFill>
+                <a:effectLst/>
+                <a:latin typeface="Arial" panose="020B0604020202020204" pitchFamily="34" charset="0"/>
+              </a:rPr>
+              <a:t> that are easy to understand and implement in everyday routines.</a:t>
+            </a:r>
+          </a:p>
+          <a:p>
+            <a:pPr marR="0" lvl="0" algn="l" defTabSz="914400" rtl="0" eaLnBrk="0" fontAlgn="base" latinLnBrk="0" hangingPunct="0">
+              <a:lnSpc>
+                <a:spcPct val="100000"/>
+              </a:lnSpc>
+              <a:spcBef>
+                <a:spcPct val="0"/>
+              </a:spcBef>
+              <a:spcAft>
+                <a:spcPct val="0"/>
+              </a:spcAft>
+              <a:buSzTx/>
+              <a:buFont typeface="Wingdings" panose="05000000000000000000" pitchFamily="2" charset="2"/>
+              <a:buChar char="§"/>
+              <a:tabLst/>
+            </a:pPr>
+            <a:r>
+              <a:rPr kumimoji="0" lang="en-US" altLang="en-US" sz="2000" b="0" i="0" u="none" strike="noStrike" cap="none" normalizeH="0" baseline="0" dirty="0">
+                <a:ln>
+                  <a:noFill/>
+                </a:ln>
+                <a:solidFill>
+                  <a:schemeClr val="tx1"/>
+                </a:solidFill>
+                <a:effectLst/>
+                <a:latin typeface="Arial" panose="020B0604020202020204" pitchFamily="34" charset="0"/>
+              </a:rPr>
+              <a:t>Current solutions do not offer a </a:t>
+            </a:r>
+            <a:r>
+              <a:rPr kumimoji="0" lang="en-US" altLang="en-US" sz="2000" b="1" i="0" u="none" strike="noStrike" cap="none" normalizeH="0" baseline="0" dirty="0">
+                <a:ln>
+                  <a:noFill/>
+                </a:ln>
+                <a:solidFill>
+                  <a:schemeClr val="tx1"/>
+                </a:solidFill>
+                <a:effectLst/>
+                <a:latin typeface="Arial" panose="020B0604020202020204" pitchFamily="34" charset="0"/>
+              </a:rPr>
+              <a:t>user-friendly, conversational interface</a:t>
+            </a:r>
+            <a:r>
+              <a:rPr kumimoji="0" lang="en-US" altLang="en-US" sz="2000" b="0" i="0" u="none" strike="noStrike" cap="none" normalizeH="0" baseline="0" dirty="0">
+                <a:ln>
+                  <a:noFill/>
+                </a:ln>
+                <a:solidFill>
+                  <a:schemeClr val="tx1"/>
+                </a:solidFill>
+                <a:effectLst/>
+                <a:latin typeface="Arial" panose="020B0604020202020204" pitchFamily="34" charset="0"/>
+              </a:rPr>
+              <a:t> that adapts to the user's context.</a:t>
+            </a:r>
+          </a:p>
+          <a:p>
+            <a:pPr marR="0" lvl="0" algn="l" defTabSz="914400" rtl="0" eaLnBrk="0" fontAlgn="base" latinLnBrk="0" hangingPunct="0">
+              <a:lnSpc>
+                <a:spcPct val="100000"/>
+              </a:lnSpc>
+              <a:spcBef>
+                <a:spcPct val="0"/>
+              </a:spcBef>
+              <a:spcAft>
+                <a:spcPct val="0"/>
+              </a:spcAft>
+              <a:buSzTx/>
+              <a:buFont typeface="Wingdings" panose="05000000000000000000" pitchFamily="2" charset="2"/>
+              <a:buChar char="§"/>
+              <a:tabLst/>
+            </a:pPr>
+            <a:r>
+              <a:rPr kumimoji="0" lang="en-US" altLang="en-US" sz="2000" b="0" i="0" u="none" strike="noStrike" cap="none" normalizeH="0" baseline="0" dirty="0">
+                <a:ln>
+                  <a:noFill/>
+                </a:ln>
+                <a:solidFill>
+                  <a:schemeClr val="tx1"/>
+                </a:solidFill>
+                <a:effectLst/>
+                <a:latin typeface="Arial" panose="020B0604020202020204" pitchFamily="34" charset="0"/>
+              </a:rPr>
+              <a:t>There is a gap in tools that combine </a:t>
+            </a:r>
+            <a:r>
+              <a:rPr kumimoji="0" lang="en-US" altLang="en-US" sz="2000" b="1" i="0" u="none" strike="noStrike" cap="none" normalizeH="0" baseline="0" dirty="0">
+                <a:ln>
+                  <a:noFill/>
+                </a:ln>
+                <a:solidFill>
+                  <a:schemeClr val="tx1"/>
+                </a:solidFill>
+                <a:effectLst/>
+                <a:latin typeface="Arial" panose="020B0604020202020204" pitchFamily="34" charset="0"/>
+              </a:rPr>
+              <a:t>AI intelligence with environmental action</a:t>
+            </a:r>
+            <a:r>
+              <a:rPr kumimoji="0" lang="en-US" altLang="en-US" sz="2000" b="0" i="0" u="none" strike="noStrike" cap="none" normalizeH="0" baseline="0" dirty="0">
+                <a:ln>
+                  <a:noFill/>
+                </a:ln>
+                <a:solidFill>
+                  <a:schemeClr val="tx1"/>
+                </a:solidFill>
+                <a:effectLst/>
+                <a:latin typeface="Arial" panose="020B0604020202020204" pitchFamily="34" charset="0"/>
+              </a:rPr>
+              <a:t> for everyday decision-making.</a:t>
+            </a:r>
           </a:p>
         </p:txBody>
       </p:sp>
@@ -5843,93 +6583,327 @@
       </p:sp>
       <p:sp>
         <p:nvSpPr>
-          <p:cNvPr id="2" name="Content Placeholder 1">
+          <p:cNvPr id="3" name="Rectangle 1">
             <a:extLst>
               <a:ext uri="{FF2B5EF4-FFF2-40B4-BE49-F238E27FC236}">
-                <a16:creationId xmlns:a16="http://schemas.microsoft.com/office/drawing/2014/main" id="{E041FD9D-DF07-9C37-1E61-1D920E0EF1D4}"/>
+                <a16:creationId xmlns:a16="http://schemas.microsoft.com/office/drawing/2014/main" id="{344F5405-FA96-4241-BD10-835466BD103D}"/>
               </a:ext>
             </a:extLst>
           </p:cNvPr>
           <p:cNvSpPr>
-            <a:spLocks noGrp="1"/>
+            <a:spLocks noGrp="1" noChangeArrowheads="1"/>
           </p:cNvSpPr>
           <p:nvPr>
             <p:ph idx="1"/>
           </p:nvPr>
         </p:nvSpPr>
-        <p:spPr>
+        <p:spPr bwMode="auto">
           <a:xfrm>
-            <a:off x="441671" y="1087378"/>
-            <a:ext cx="11613485" cy="5563973"/>
+            <a:off x="441325" y="2596574"/>
+            <a:ext cx="10551140" cy="1631216"/>
           </a:xfrm>
+          <a:prstGeom prst="rect">
+            <a:avLst/>
+          </a:prstGeom>
+          <a:noFill/>
+          <a:ln>
+            <a:noFill/>
+          </a:ln>
+          <a:effectLst/>
+          <a:extLst>
+            <a:ext uri="{909E8E84-426E-40DD-AFC4-6F175D3DCCD1}">
+              <a14:hiddenFill xmlns:a14="http://schemas.microsoft.com/office/drawing/2010/main">
+                <a:solidFill>
+                  <a:schemeClr val="accent1"/>
+                </a:solidFill>
+              </a14:hiddenFill>
+            </a:ext>
+            <a:ext uri="{91240B29-F687-4F45-9708-019B960494DF}">
+              <a14:hiddenLine xmlns:a14="http://schemas.microsoft.com/office/drawing/2010/main" w="9525">
+                <a:solidFill>
+                  <a:schemeClr val="tx1"/>
+                </a:solidFill>
+                <a:miter lim="800000"/>
+                <a:headEnd/>
+                <a:tailEnd/>
+              </a14:hiddenLine>
+            </a:ext>
+            <a:ext uri="{AF507438-7753-43E0-B8FC-AC1667EBCBE1}">
+              <a14:hiddenEffects xmlns:a14="http://schemas.microsoft.com/office/drawing/2010/main">
+                <a:effectLst>
+                  <a:outerShdw dist="35921" dir="2700000" algn="ctr" rotWithShape="0">
+                    <a:schemeClr val="bg2"/>
+                  </a:outerShdw>
+                </a:effectLst>
+              </a14:hiddenEffects>
+            </a:ext>
+          </a:extLst>
         </p:spPr>
         <p:txBody>
-          <a:bodyPr vert="horz" lIns="91440" tIns="45720" rIns="91440" bIns="45720" rtlCol="0" anchor="ctr">
-            <a:noAutofit/>
+          <a:bodyPr vert="horz" wrap="square" lIns="91440" tIns="45720" rIns="91440" bIns="45720" numCol="1" anchor="ctr" anchorCtr="0" compatLnSpc="1">
+            <a:prstTxWarp prst="textNoShape">
+              <a:avLst/>
+            </a:prstTxWarp>
+            <a:spAutoFit/>
           </a:bodyPr>
           <a:lstStyle/>
           <a:p>
-            <a:pPr marL="0" indent="0">
-              <a:buNone/>
+            <a:pPr marR="0" lvl="0" algn="l" defTabSz="914400" rtl="0" eaLnBrk="0" fontAlgn="base" latinLnBrk="0" hangingPunct="0">
+              <a:lnSpc>
+                <a:spcPct val="100000"/>
+              </a:lnSpc>
+              <a:spcBef>
+                <a:spcPct val="0"/>
+              </a:spcBef>
+              <a:spcAft>
+                <a:spcPct val="0"/>
+              </a:spcAft>
+              <a:buSzTx/>
+              <a:buFont typeface="Wingdings" panose="05000000000000000000" pitchFamily="2" charset="2"/>
+              <a:buChar char="§"/>
+              <a:tabLst/>
             </a:pPr>
             <a:r>
-              <a:rPr lang="en-US" sz="2800" dirty="0">
-                <a:solidFill>
-                  <a:srgbClr val="000000"/>
-                </a:solidFill>
-                <a:latin typeface="Calibri"/>
-                <a:ea typeface="Calibri"/>
-                <a:cs typeface="Calibri"/>
-              </a:rPr>
-              <a:t>IBM cloud lite services</a:t>
-            </a:r>
-          </a:p>
-          <a:p>
-            <a:pPr marL="0" indent="0">
-              <a:buNone/>
+              <a:rPr kumimoji="0" lang="en-US" altLang="en-US" sz="2000" b="1" i="0" u="none" strike="noStrike" cap="none" normalizeH="0" baseline="0" dirty="0">
+                <a:ln>
+                  <a:noFill/>
+                </a:ln>
+                <a:solidFill>
+                  <a:schemeClr val="tx1"/>
+                </a:solidFill>
+                <a:effectLst/>
+                <a:latin typeface="Arial" panose="020B0604020202020204" pitchFamily="34" charset="0"/>
+              </a:rPr>
+              <a:t>AI Platform:</a:t>
+            </a:r>
+            <a:r>
+              <a:rPr kumimoji="0" lang="en-US" altLang="en-US" sz="2000" b="0" i="0" u="none" strike="noStrike" cap="none" normalizeH="0" baseline="0" dirty="0">
+                <a:ln>
+                  <a:noFill/>
+                </a:ln>
+                <a:solidFill>
+                  <a:schemeClr val="tx1"/>
+                </a:solidFill>
+                <a:effectLst/>
+                <a:latin typeface="Arial" panose="020B0604020202020204" pitchFamily="34" charset="0"/>
+              </a:rPr>
+              <a:t> Agent built using IBM watsonx.ai Agent Lab</a:t>
+            </a:r>
+          </a:p>
+          <a:p>
+            <a:pPr marR="0" lvl="0" algn="l" defTabSz="914400" rtl="0" eaLnBrk="0" fontAlgn="base" latinLnBrk="0" hangingPunct="0">
+              <a:lnSpc>
+                <a:spcPct val="100000"/>
+              </a:lnSpc>
+              <a:spcBef>
+                <a:spcPct val="0"/>
+              </a:spcBef>
+              <a:spcAft>
+                <a:spcPct val="0"/>
+              </a:spcAft>
+              <a:buSzTx/>
+              <a:buFont typeface="Wingdings" panose="05000000000000000000" pitchFamily="2" charset="2"/>
+              <a:buChar char="§"/>
+              <a:tabLst/>
             </a:pPr>
             <a:r>
-              <a:rPr lang="en-US" sz="2800" dirty="0">
-                <a:solidFill>
-                  <a:srgbClr val="000000"/>
-                </a:solidFill>
-                <a:latin typeface="Calibri"/>
-                <a:ea typeface="Calibri"/>
-                <a:cs typeface="Calibri"/>
-              </a:rPr>
-              <a:t>Natural Language Processing (NLP)</a:t>
-            </a:r>
-          </a:p>
-          <a:p>
-            <a:pPr marL="0" indent="0">
-              <a:buNone/>
+              <a:rPr kumimoji="0" lang="en-US" altLang="en-US" sz="2000" b="1" i="0" u="none" strike="noStrike" cap="none" normalizeH="0" baseline="0" dirty="0">
+                <a:ln>
+                  <a:noFill/>
+                </a:ln>
+                <a:solidFill>
+                  <a:schemeClr val="tx1"/>
+                </a:solidFill>
+                <a:effectLst/>
+                <a:latin typeface="Arial" panose="020B0604020202020204" pitchFamily="34" charset="0"/>
+              </a:rPr>
+              <a:t>Framework &amp; Architecture:</a:t>
+            </a:r>
+            <a:r>
+              <a:rPr kumimoji="0" lang="en-US" altLang="en-US" sz="2000" b="0" i="0" u="none" strike="noStrike" cap="none" normalizeH="0" baseline="0" dirty="0">
+                <a:ln>
+                  <a:noFill/>
+                </a:ln>
+                <a:solidFill>
+                  <a:schemeClr val="tx1"/>
+                </a:solidFill>
+                <a:effectLst/>
+                <a:latin typeface="Arial" panose="020B0604020202020204" pitchFamily="34" charset="0"/>
+              </a:rPr>
+              <a:t> </a:t>
+            </a:r>
+            <a:r>
+              <a:rPr kumimoji="0" lang="en-US" altLang="en-US" sz="2000" b="0" i="0" u="none" strike="noStrike" cap="none" normalizeH="0" baseline="0" dirty="0" err="1">
+                <a:ln>
+                  <a:noFill/>
+                </a:ln>
+                <a:solidFill>
+                  <a:schemeClr val="tx1"/>
+                </a:solidFill>
+                <a:effectLst/>
+                <a:latin typeface="Arial" panose="020B0604020202020204" pitchFamily="34" charset="0"/>
+              </a:rPr>
+              <a:t>LangGraph</a:t>
+            </a:r>
+            <a:r>
+              <a:rPr kumimoji="0" lang="en-US" altLang="en-US" sz="2000" b="0" i="0" u="none" strike="noStrike" cap="none" normalizeH="0" baseline="0" dirty="0">
+                <a:ln>
+                  <a:noFill/>
+                </a:ln>
+                <a:solidFill>
+                  <a:schemeClr val="tx1"/>
+                </a:solidFill>
+                <a:effectLst/>
+                <a:latin typeface="Arial" panose="020B0604020202020204" pitchFamily="34" charset="0"/>
+              </a:rPr>
+              <a:t> framework, </a:t>
+            </a:r>
+            <a:r>
+              <a:rPr kumimoji="0" lang="en-US" altLang="en-US" sz="2000" b="0" i="0" u="none" strike="noStrike" cap="none" normalizeH="0" baseline="0" dirty="0" err="1">
+                <a:ln>
+                  <a:noFill/>
+                </a:ln>
+                <a:solidFill>
+                  <a:schemeClr val="tx1"/>
+                </a:solidFill>
+                <a:effectLst/>
+                <a:latin typeface="Arial" panose="020B0604020202020204" pitchFamily="34" charset="0"/>
+              </a:rPr>
+              <a:t>ReAct</a:t>
+            </a:r>
+            <a:r>
+              <a:rPr kumimoji="0" lang="en-US" altLang="en-US" sz="2000" b="0" i="0" u="none" strike="noStrike" cap="none" normalizeH="0" baseline="0" dirty="0">
+                <a:ln>
+                  <a:noFill/>
+                </a:ln>
+                <a:solidFill>
+                  <a:schemeClr val="tx1"/>
+                </a:solidFill>
+                <a:effectLst/>
+                <a:latin typeface="Arial" panose="020B0604020202020204" pitchFamily="34" charset="0"/>
+              </a:rPr>
+              <a:t> architecture</a:t>
+            </a:r>
+          </a:p>
+          <a:p>
+            <a:pPr marR="0" lvl="0" algn="l" defTabSz="914400" rtl="0" eaLnBrk="0" fontAlgn="base" latinLnBrk="0" hangingPunct="0">
+              <a:lnSpc>
+                <a:spcPct val="100000"/>
+              </a:lnSpc>
+              <a:spcBef>
+                <a:spcPct val="0"/>
+              </a:spcBef>
+              <a:spcAft>
+                <a:spcPct val="0"/>
+              </a:spcAft>
+              <a:buSzTx/>
+              <a:buFont typeface="Wingdings" panose="05000000000000000000" pitchFamily="2" charset="2"/>
+              <a:buChar char="§"/>
+              <a:tabLst/>
             </a:pPr>
             <a:r>
-              <a:rPr lang="en-US" sz="2800" dirty="0">
-                <a:solidFill>
-                  <a:srgbClr val="000000"/>
-                </a:solidFill>
-                <a:latin typeface="Calibri"/>
-                <a:ea typeface="Calibri"/>
-                <a:cs typeface="Calibri"/>
-              </a:rPr>
-              <a:t>Retrieval Augmented Generation (RAG)</a:t>
-            </a:r>
-          </a:p>
-          <a:p>
-            <a:pPr marL="0" indent="0">
-              <a:buNone/>
+              <a:rPr kumimoji="0" lang="en-US" altLang="en-US" sz="2000" b="1" i="0" u="none" strike="noStrike" cap="none" normalizeH="0" baseline="0" dirty="0">
+                <a:ln>
+                  <a:noFill/>
+                </a:ln>
+                <a:solidFill>
+                  <a:schemeClr val="tx1"/>
+                </a:solidFill>
+                <a:effectLst/>
+                <a:latin typeface="Arial" panose="020B0604020202020204" pitchFamily="34" charset="0"/>
+              </a:rPr>
+              <a:t>Foundation Model:</a:t>
+            </a:r>
+            <a:r>
+              <a:rPr kumimoji="0" lang="en-US" altLang="en-US" sz="2000" b="0" i="0" u="none" strike="noStrike" cap="none" normalizeH="0" baseline="0" dirty="0">
+                <a:ln>
+                  <a:noFill/>
+                </a:ln>
+                <a:solidFill>
+                  <a:schemeClr val="tx1"/>
+                </a:solidFill>
+                <a:effectLst/>
+                <a:latin typeface="Arial" panose="020B0604020202020204" pitchFamily="34" charset="0"/>
+              </a:rPr>
+              <a:t> </a:t>
+            </a:r>
+            <a:r>
+              <a:rPr kumimoji="0" lang="en-US" altLang="en-US" sz="2000" b="0" i="0" u="none" strike="noStrike" cap="none" normalizeH="0" baseline="0" dirty="0" err="1">
+                <a:ln>
+                  <a:noFill/>
+                </a:ln>
+                <a:solidFill>
+                  <a:schemeClr val="tx1"/>
+                </a:solidFill>
+                <a:effectLst/>
+                <a:latin typeface="Arial Unicode MS" panose="020B0604020202020204" pitchFamily="34" charset="-128"/>
+              </a:rPr>
+              <a:t>ibm</a:t>
+            </a:r>
+            <a:r>
+              <a:rPr kumimoji="0" lang="en-US" altLang="en-US" sz="2000" b="0" i="0" u="none" strike="noStrike" cap="none" normalizeH="0" baseline="0" dirty="0">
+                <a:ln>
+                  <a:noFill/>
+                </a:ln>
+                <a:solidFill>
+                  <a:schemeClr val="tx1"/>
+                </a:solidFill>
+                <a:effectLst/>
+                <a:latin typeface="Arial Unicode MS" panose="020B0604020202020204" pitchFamily="34" charset="-128"/>
+              </a:rPr>
+              <a:t>/granite-3-3-8b-instruct</a:t>
+            </a:r>
+            <a:endParaRPr kumimoji="0" lang="en-US" altLang="en-US" sz="2000" b="0" i="0" u="none" strike="noStrike" cap="none" normalizeH="0" baseline="0" dirty="0">
+              <a:ln>
+                <a:noFill/>
+              </a:ln>
+              <a:solidFill>
+                <a:schemeClr val="tx1"/>
+              </a:solidFill>
+              <a:effectLst/>
+            </a:endParaRPr>
+          </a:p>
+          <a:p>
+            <a:pPr marR="0" lvl="0" algn="l" defTabSz="914400" rtl="0" eaLnBrk="0" fontAlgn="base" latinLnBrk="0" hangingPunct="0">
+              <a:lnSpc>
+                <a:spcPct val="100000"/>
+              </a:lnSpc>
+              <a:spcBef>
+                <a:spcPct val="0"/>
+              </a:spcBef>
+              <a:spcAft>
+                <a:spcPct val="0"/>
+              </a:spcAft>
+              <a:buSzTx/>
+              <a:buFont typeface="Wingdings" panose="05000000000000000000" pitchFamily="2" charset="2"/>
+              <a:buChar char="§"/>
+              <a:tabLst/>
             </a:pPr>
             <a:r>
-              <a:rPr lang="en-US" sz="2800" dirty="0">
-                <a:solidFill>
-                  <a:srgbClr val="000000"/>
-                </a:solidFill>
-                <a:latin typeface="Calibri"/>
-                <a:ea typeface="Calibri"/>
-                <a:cs typeface="Calibri"/>
-              </a:rPr>
-              <a:t>IBM Granite model</a:t>
+              <a:rPr kumimoji="0" lang="en-US" altLang="en-US" sz="2000" b="1" i="0" u="none" strike="noStrike" cap="none" normalizeH="0" baseline="0" dirty="0">
+                <a:ln>
+                  <a:noFill/>
+                </a:ln>
+                <a:solidFill>
+                  <a:schemeClr val="tx1"/>
+                </a:solidFill>
+                <a:effectLst/>
+                <a:latin typeface="Arial" panose="020B0604020202020204" pitchFamily="34" charset="0"/>
+              </a:rPr>
+              <a:t>RAG Retrieval Pipeline</a:t>
+            </a:r>
+            <a:r>
+              <a:rPr kumimoji="0" lang="en-US" altLang="en-US" sz="2000" b="0" i="0" u="none" strike="noStrike" cap="none" normalizeH="0" baseline="0" dirty="0">
+                <a:ln>
+                  <a:noFill/>
+                </a:ln>
+                <a:solidFill>
+                  <a:schemeClr val="tx1"/>
+                </a:solidFill>
+                <a:effectLst/>
+                <a:latin typeface="Arial" panose="020B0604020202020204" pitchFamily="34" charset="0"/>
+              </a:rPr>
+              <a:t> for real-time trusted content from environmental and government sources</a:t>
             </a:r>
           </a:p>
         </p:txBody>
@@ -6135,56 +7109,629 @@
       </p:sp>
       <p:sp>
         <p:nvSpPr>
-          <p:cNvPr id="2" name="Content Placeholder 1">
+          <p:cNvPr id="3" name="Rectangle 1">
             <a:extLst>
               <a:ext uri="{FF2B5EF4-FFF2-40B4-BE49-F238E27FC236}">
-                <a16:creationId xmlns:a16="http://schemas.microsoft.com/office/drawing/2014/main" id="{C4FFAF3C-BA60-9181-132C-C36C403AAEA7}"/>
+                <a16:creationId xmlns:a16="http://schemas.microsoft.com/office/drawing/2014/main" id="{17897F73-1046-4E71-85AF-84E4C6B5C2AE}"/>
               </a:ext>
             </a:extLst>
           </p:cNvPr>
           <p:cNvSpPr>
-            <a:spLocks noGrp="1"/>
+            <a:spLocks noGrp="1" noChangeArrowheads="1"/>
           </p:cNvSpPr>
           <p:nvPr>
             <p:ph idx="1"/>
           </p:nvPr>
         </p:nvSpPr>
-        <p:spPr/>
-        <p:txBody>
-          <a:bodyPr>
-            <a:normAutofit/>
+        <p:spPr bwMode="auto">
+          <a:xfrm>
+            <a:off x="581192" y="1515030"/>
+            <a:ext cx="10017982" cy="4247317"/>
+          </a:xfrm>
+          <a:prstGeom prst="rect">
+            <a:avLst/>
+          </a:prstGeom>
+          <a:noFill/>
+          <a:ln>
+            <a:noFill/>
+          </a:ln>
+          <a:effectLst/>
+          <a:extLst>
+            <a:ext uri="{909E8E84-426E-40DD-AFC4-6F175D3DCCD1}">
+              <a14:hiddenFill xmlns:a14="http://schemas.microsoft.com/office/drawing/2010/main">
+                <a:solidFill>
+                  <a:schemeClr val="accent1"/>
+                </a:solidFill>
+              </a14:hiddenFill>
+            </a:ext>
+            <a:ext uri="{91240B29-F687-4F45-9708-019B960494DF}">
+              <a14:hiddenLine xmlns:a14="http://schemas.microsoft.com/office/drawing/2010/main" w="9525">
+                <a:solidFill>
+                  <a:schemeClr val="tx1"/>
+                </a:solidFill>
+                <a:miter lim="800000"/>
+                <a:headEnd/>
+                <a:tailEnd/>
+              </a14:hiddenLine>
+            </a:ext>
+            <a:ext uri="{AF507438-7753-43E0-B8FC-AC1667EBCBE1}">
+              <a14:hiddenEffects xmlns:a14="http://schemas.microsoft.com/office/drawing/2010/main">
+                <a:effectLst>
+                  <a:outerShdw dist="35921" dir="2700000" algn="ctr" rotWithShape="0">
+                    <a:schemeClr val="bg2"/>
+                  </a:outerShdw>
+                </a:effectLst>
+              </a14:hiddenEffects>
+            </a:ext>
+          </a:extLst>
+        </p:spPr>
+        <p:txBody>
+          <a:bodyPr vert="horz" wrap="square" lIns="91440" tIns="45720" rIns="91440" bIns="45720" numCol="1" anchor="ctr" anchorCtr="0" compatLnSpc="1">
+            <a:prstTxWarp prst="textNoShape">
+              <a:avLst/>
+            </a:prstTxWarp>
+            <a:spAutoFit/>
           </a:bodyPr>
           <a:lstStyle/>
           <a:p>
-            <a:pPr marL="0" indent="0">
-              <a:buNone/>
+            <a:pPr marR="0" lvl="0" algn="l" defTabSz="914400" rtl="0" eaLnBrk="0" fontAlgn="base" latinLnBrk="0" hangingPunct="0">
+              <a:lnSpc>
+                <a:spcPct val="100000"/>
+              </a:lnSpc>
+              <a:spcBef>
+                <a:spcPct val="0"/>
+              </a:spcBef>
+              <a:spcAft>
+                <a:spcPct val="0"/>
+              </a:spcAft>
+              <a:buSzTx/>
+              <a:buFont typeface="Wingdings" panose="05000000000000000000" pitchFamily="2" charset="2"/>
+              <a:buChar char="§"/>
+              <a:tabLst/>
             </a:pPr>
             <a:r>
-              <a:rPr lang="en-US" sz="2800" dirty="0">
-                <a:latin typeface="Calibri"/>
-                <a:ea typeface="Calibri"/>
-                <a:cs typeface="Calibri"/>
-              </a:rPr>
-              <a:t>The Eco Lifestyle Agent doesn’t just answer questions — it acts as a personal green coach, using AI + real-time data to turn complex sustainability challenges into simple, daily habits anyone can follow.</a:t>
-            </a:r>
-          </a:p>
-          <a:p>
-            <a:pPr marL="0" indent="0">
-              <a:buNone/>
+              <a:rPr kumimoji="0" lang="en-US" altLang="en-US" sz="1800" b="0" i="0" u="none" strike="noStrike" cap="none" normalizeH="0" baseline="0" dirty="0">
+                <a:ln>
+                  <a:noFill/>
+                </a:ln>
+                <a:solidFill>
+                  <a:schemeClr val="tx1"/>
+                </a:solidFill>
+                <a:effectLst/>
+                <a:latin typeface="Arial" panose="020B0604020202020204" pitchFamily="34" charset="0"/>
+              </a:rPr>
+              <a:t>Uses </a:t>
+            </a:r>
+            <a:r>
+              <a:rPr kumimoji="0" lang="en-US" altLang="en-US" sz="1800" b="1" i="0" u="none" strike="noStrike" cap="none" normalizeH="0" baseline="0" dirty="0">
+                <a:ln>
+                  <a:noFill/>
+                </a:ln>
+                <a:solidFill>
+                  <a:schemeClr val="tx1"/>
+                </a:solidFill>
+                <a:effectLst/>
+                <a:latin typeface="Arial" panose="020B0604020202020204" pitchFamily="34" charset="0"/>
+              </a:rPr>
+              <a:t>Retrieval-Augmented Generation (RAG)</a:t>
+            </a:r>
+            <a:r>
+              <a:rPr kumimoji="0" lang="en-US" altLang="en-US" sz="1800" b="0" i="0" u="none" strike="noStrike" cap="none" normalizeH="0" baseline="0" dirty="0">
+                <a:ln>
+                  <a:noFill/>
+                </a:ln>
+                <a:solidFill>
+                  <a:schemeClr val="tx1"/>
+                </a:solidFill>
+                <a:effectLst/>
+                <a:latin typeface="Arial" panose="020B0604020202020204" pitchFamily="34" charset="0"/>
+              </a:rPr>
+              <a:t> to pull live, trustworthy data from government portals, eco-blogs, and NGO databases.</a:t>
+            </a:r>
+          </a:p>
+          <a:p>
+            <a:pPr marR="0" lvl="0" algn="l" defTabSz="914400" rtl="0" eaLnBrk="0" fontAlgn="base" latinLnBrk="0" hangingPunct="0">
+              <a:lnSpc>
+                <a:spcPct val="100000"/>
+              </a:lnSpc>
+              <a:spcBef>
+                <a:spcPct val="0"/>
+              </a:spcBef>
+              <a:spcAft>
+                <a:spcPct val="0"/>
+              </a:spcAft>
+              <a:buSzTx/>
+              <a:buFont typeface="Wingdings" panose="05000000000000000000" pitchFamily="2" charset="2"/>
+              <a:buChar char="§"/>
+              <a:tabLst/>
             </a:pPr>
             <a:r>
-              <a:rPr lang="en-US" sz="2800" dirty="0">
-                <a:latin typeface="Calibri"/>
-                <a:ea typeface="Calibri"/>
-                <a:cs typeface="Calibri"/>
-              </a:rPr>
-              <a:t>By combining RAG technology with IBM Granite on IBM Cloud Lite, it delivers hyper-personalized, location-aware, and trustworthy eco-guidance in seconds — making it feel less like a chatbot and more like a smart, eco-conscious companion for your everyday life.</a:t>
-            </a:r>
-            <a:endParaRPr lang="en-IN" sz="2800" dirty="0">
-              <a:latin typeface="Calibri"/>
-              <a:ea typeface="Calibri"/>
-              <a:cs typeface="Calibri"/>
-            </a:endParaRPr>
+              <a:rPr kumimoji="0" lang="en-US" altLang="en-US" sz="1800" b="0" i="0" u="none" strike="noStrike" cap="none" normalizeH="0" baseline="0" dirty="0">
+                <a:ln>
+                  <a:noFill/>
+                </a:ln>
+                <a:solidFill>
+                  <a:schemeClr val="tx1"/>
+                </a:solidFill>
+                <a:effectLst/>
+                <a:latin typeface="Arial" panose="020B0604020202020204" pitchFamily="34" charset="0"/>
+              </a:rPr>
+              <a:t>Offers </a:t>
+            </a:r>
+            <a:r>
+              <a:rPr kumimoji="0" lang="en-US" altLang="en-US" sz="1800" b="1" i="0" u="none" strike="noStrike" cap="none" normalizeH="0" baseline="0" dirty="0">
+                <a:ln>
+                  <a:noFill/>
+                </a:ln>
+                <a:solidFill>
+                  <a:schemeClr val="tx1"/>
+                </a:solidFill>
+                <a:effectLst/>
+                <a:latin typeface="Arial" panose="020B0604020202020204" pitchFamily="34" charset="0"/>
+              </a:rPr>
+              <a:t>personalized suggestions</a:t>
+            </a:r>
+            <a:r>
+              <a:rPr kumimoji="0" lang="en-US" altLang="en-US" sz="1800" b="0" i="0" u="none" strike="noStrike" cap="none" normalizeH="0" baseline="0" dirty="0">
+                <a:ln>
+                  <a:noFill/>
+                </a:ln>
+                <a:solidFill>
+                  <a:schemeClr val="tx1"/>
+                </a:solidFill>
+                <a:effectLst/>
+                <a:latin typeface="Arial" panose="020B0604020202020204" pitchFamily="34" charset="0"/>
+              </a:rPr>
+              <a:t> based on user lifestyle, preferences, and local resources.</a:t>
+            </a:r>
+          </a:p>
+          <a:p>
+            <a:pPr marR="0" lvl="0" algn="l" defTabSz="914400" rtl="0" eaLnBrk="0" fontAlgn="base" latinLnBrk="0" hangingPunct="0">
+              <a:lnSpc>
+                <a:spcPct val="100000"/>
+              </a:lnSpc>
+              <a:spcBef>
+                <a:spcPct val="0"/>
+              </a:spcBef>
+              <a:spcAft>
+                <a:spcPct val="0"/>
+              </a:spcAft>
+              <a:buSzTx/>
+              <a:buFont typeface="Wingdings" panose="05000000000000000000" pitchFamily="2" charset="2"/>
+              <a:buChar char="§"/>
+              <a:tabLst/>
+            </a:pPr>
+            <a:r>
+              <a:rPr kumimoji="0" lang="en-US" altLang="en-US" sz="1800" b="0" i="0" u="none" strike="noStrike" cap="none" normalizeH="0" baseline="0" dirty="0">
+                <a:ln>
+                  <a:noFill/>
+                </a:ln>
+                <a:solidFill>
+                  <a:schemeClr val="tx1"/>
+                </a:solidFill>
+                <a:effectLst/>
+                <a:latin typeface="Arial" panose="020B0604020202020204" pitchFamily="34" charset="0"/>
+              </a:rPr>
+              <a:t>Can adapt to </a:t>
+            </a:r>
+            <a:r>
+              <a:rPr kumimoji="0" lang="en-US" altLang="en-US" sz="1800" b="1" i="0" u="none" strike="noStrike" cap="none" normalizeH="0" baseline="0" dirty="0">
+                <a:ln>
+                  <a:noFill/>
+                </a:ln>
+                <a:solidFill>
+                  <a:schemeClr val="tx1"/>
+                </a:solidFill>
+                <a:effectLst/>
+                <a:latin typeface="Arial" panose="020B0604020202020204" pitchFamily="34" charset="0"/>
+              </a:rPr>
+              <a:t>urban and rural settings</a:t>
+            </a:r>
+            <a:r>
+              <a:rPr kumimoji="0" lang="en-US" altLang="en-US" sz="1800" b="0" i="0" u="none" strike="noStrike" cap="none" normalizeH="0" baseline="0" dirty="0">
+                <a:ln>
+                  <a:noFill/>
+                </a:ln>
+                <a:solidFill>
+                  <a:schemeClr val="tx1"/>
+                </a:solidFill>
+                <a:effectLst/>
+                <a:latin typeface="Arial" panose="020B0604020202020204" pitchFamily="34" charset="0"/>
+              </a:rPr>
+              <a:t>, making sustainability accessible for everyone.</a:t>
+            </a:r>
+          </a:p>
+          <a:p>
+            <a:pPr marR="0" lvl="0" algn="l" defTabSz="914400" rtl="0" eaLnBrk="0" fontAlgn="base" latinLnBrk="0" hangingPunct="0">
+              <a:lnSpc>
+                <a:spcPct val="100000"/>
+              </a:lnSpc>
+              <a:spcBef>
+                <a:spcPct val="0"/>
+              </a:spcBef>
+              <a:spcAft>
+                <a:spcPct val="0"/>
+              </a:spcAft>
+              <a:buSzTx/>
+              <a:buFont typeface="Wingdings" panose="05000000000000000000" pitchFamily="2" charset="2"/>
+              <a:buChar char="§"/>
+              <a:tabLst/>
+            </a:pPr>
+            <a:r>
+              <a:rPr kumimoji="0" lang="en-US" altLang="en-US" sz="1800" b="0" i="0" u="none" strike="noStrike" cap="none" normalizeH="0" baseline="0" dirty="0">
+                <a:ln>
+                  <a:noFill/>
+                </a:ln>
+                <a:solidFill>
+                  <a:schemeClr val="tx1"/>
+                </a:solidFill>
+                <a:effectLst/>
+                <a:latin typeface="Arial" panose="020B0604020202020204" pitchFamily="34" charset="0"/>
+              </a:rPr>
+              <a:t>Delivers </a:t>
+            </a:r>
+            <a:r>
+              <a:rPr kumimoji="0" lang="en-US" altLang="en-US" sz="1800" b="1" i="0" u="none" strike="noStrike" cap="none" normalizeH="0" baseline="0" dirty="0">
+                <a:ln>
+                  <a:noFill/>
+                </a:ln>
+                <a:solidFill>
+                  <a:schemeClr val="tx1"/>
+                </a:solidFill>
+                <a:effectLst/>
+                <a:latin typeface="Arial" panose="020B0604020202020204" pitchFamily="34" charset="0"/>
+              </a:rPr>
+              <a:t>daily eco-tips</a:t>
+            </a:r>
+            <a:r>
+              <a:rPr kumimoji="0" lang="en-US" altLang="en-US" sz="1800" b="0" i="0" u="none" strike="noStrike" cap="none" normalizeH="0" baseline="0" dirty="0">
+                <a:ln>
+                  <a:noFill/>
+                </a:ln>
+                <a:solidFill>
+                  <a:schemeClr val="tx1"/>
+                </a:solidFill>
+                <a:effectLst/>
+                <a:latin typeface="Arial" panose="020B0604020202020204" pitchFamily="34" charset="0"/>
+              </a:rPr>
+              <a:t> and reminders to build long-term habits effortlessly.</a:t>
+            </a:r>
+          </a:p>
+          <a:p>
+            <a:pPr marR="0" lvl="0" algn="l" defTabSz="914400" rtl="0" eaLnBrk="0" fontAlgn="base" latinLnBrk="0" hangingPunct="0">
+              <a:lnSpc>
+                <a:spcPct val="100000"/>
+              </a:lnSpc>
+              <a:spcBef>
+                <a:spcPct val="0"/>
+              </a:spcBef>
+              <a:spcAft>
+                <a:spcPct val="0"/>
+              </a:spcAft>
+              <a:buSzTx/>
+              <a:buFont typeface="Wingdings" panose="05000000000000000000" pitchFamily="2" charset="2"/>
+              <a:buChar char="§"/>
+              <a:tabLst/>
+            </a:pPr>
+            <a:r>
+              <a:rPr kumimoji="0" lang="en-US" altLang="en-US" sz="1800" b="0" i="0" u="none" strike="noStrike" cap="none" normalizeH="0" baseline="0" dirty="0">
+                <a:ln>
+                  <a:noFill/>
+                </a:ln>
+                <a:solidFill>
+                  <a:schemeClr val="tx1"/>
+                </a:solidFill>
+                <a:effectLst/>
+                <a:latin typeface="Arial" panose="020B0604020202020204" pitchFamily="34" charset="0"/>
+              </a:rPr>
+              <a:t>Maintains a </a:t>
+            </a:r>
+            <a:r>
+              <a:rPr kumimoji="0" lang="en-US" altLang="en-US" sz="1800" b="1" i="0" u="none" strike="noStrike" cap="none" normalizeH="0" baseline="0" dirty="0">
+                <a:ln>
+                  <a:noFill/>
+                </a:ln>
+                <a:solidFill>
+                  <a:schemeClr val="tx1"/>
+                </a:solidFill>
+                <a:effectLst/>
+                <a:latin typeface="Arial" panose="020B0604020202020204" pitchFamily="34" charset="0"/>
+              </a:rPr>
+              <a:t>non-judgmental, empathetic tone</a:t>
+            </a:r>
+            <a:r>
+              <a:rPr kumimoji="0" lang="en-US" altLang="en-US" sz="1800" b="0" i="0" u="none" strike="noStrike" cap="none" normalizeH="0" baseline="0" dirty="0">
+                <a:ln>
+                  <a:noFill/>
+                </a:ln>
+                <a:solidFill>
+                  <a:schemeClr val="tx1"/>
+                </a:solidFill>
+                <a:effectLst/>
+                <a:latin typeface="Arial" panose="020B0604020202020204" pitchFamily="34" charset="0"/>
+              </a:rPr>
+              <a:t>, encouraging users rather than criticizing them.</a:t>
+            </a:r>
+          </a:p>
+          <a:p>
+            <a:pPr marR="0" lvl="0" algn="l" defTabSz="914400" rtl="0" eaLnBrk="0" fontAlgn="base" latinLnBrk="0" hangingPunct="0">
+              <a:lnSpc>
+                <a:spcPct val="100000"/>
+              </a:lnSpc>
+              <a:spcBef>
+                <a:spcPct val="0"/>
+              </a:spcBef>
+              <a:spcAft>
+                <a:spcPct val="0"/>
+              </a:spcAft>
+              <a:buSzTx/>
+              <a:buFont typeface="Wingdings" panose="05000000000000000000" pitchFamily="2" charset="2"/>
+              <a:buChar char="§"/>
+              <a:tabLst/>
+            </a:pPr>
+            <a:r>
+              <a:rPr kumimoji="0" lang="en-US" altLang="en-US" sz="1800" b="0" i="0" u="none" strike="noStrike" cap="none" normalizeH="0" baseline="0" dirty="0">
+                <a:ln>
+                  <a:noFill/>
+                </a:ln>
+                <a:solidFill>
+                  <a:schemeClr val="tx1"/>
+                </a:solidFill>
+                <a:effectLst/>
+                <a:latin typeface="Arial" panose="020B0604020202020204" pitchFamily="34" charset="0"/>
+              </a:rPr>
+              <a:t>Helps users make </a:t>
+            </a:r>
+            <a:r>
+              <a:rPr kumimoji="0" lang="en-US" altLang="en-US" sz="1800" b="1" i="0" u="none" strike="noStrike" cap="none" normalizeH="0" baseline="0" dirty="0">
+                <a:ln>
+                  <a:noFill/>
+                </a:ln>
+                <a:solidFill>
+                  <a:schemeClr val="tx1"/>
+                </a:solidFill>
+                <a:effectLst/>
+                <a:latin typeface="Arial" panose="020B0604020202020204" pitchFamily="34" charset="0"/>
+              </a:rPr>
+              <a:t>eco-conscious shopping decisions</a:t>
+            </a:r>
+            <a:r>
+              <a:rPr kumimoji="0" lang="en-US" altLang="en-US" sz="1800" b="0" i="0" u="none" strike="noStrike" cap="none" normalizeH="0" baseline="0" dirty="0">
+                <a:ln>
+                  <a:noFill/>
+                </a:ln>
+                <a:solidFill>
+                  <a:schemeClr val="tx1"/>
+                </a:solidFill>
+                <a:effectLst/>
+                <a:latin typeface="Arial" panose="020B0604020202020204" pitchFamily="34" charset="0"/>
+              </a:rPr>
+              <a:t> by comparing green alternatives.</a:t>
+            </a:r>
+          </a:p>
+          <a:p>
+            <a:pPr marR="0" lvl="0" algn="l" defTabSz="914400" rtl="0" eaLnBrk="0" fontAlgn="base" latinLnBrk="0" hangingPunct="0">
+              <a:lnSpc>
+                <a:spcPct val="100000"/>
+              </a:lnSpc>
+              <a:spcBef>
+                <a:spcPct val="0"/>
+              </a:spcBef>
+              <a:spcAft>
+                <a:spcPct val="0"/>
+              </a:spcAft>
+              <a:buSzTx/>
+              <a:buFont typeface="Wingdings" panose="05000000000000000000" pitchFamily="2" charset="2"/>
+              <a:buChar char="§"/>
+              <a:tabLst/>
+            </a:pPr>
+            <a:r>
+              <a:rPr kumimoji="0" lang="en-US" altLang="en-US" sz="1800" b="0" i="0" u="none" strike="noStrike" cap="none" normalizeH="0" baseline="0" dirty="0">
+                <a:ln>
+                  <a:noFill/>
+                </a:ln>
+                <a:solidFill>
+                  <a:schemeClr val="tx1"/>
+                </a:solidFill>
+                <a:effectLst/>
+                <a:latin typeface="Arial" panose="020B0604020202020204" pitchFamily="34" charset="0"/>
+              </a:rPr>
+              <a:t>Enables </a:t>
+            </a:r>
+            <a:r>
+              <a:rPr kumimoji="0" lang="en-US" altLang="en-US" sz="1800" b="1" i="0" u="none" strike="noStrike" cap="none" normalizeH="0" baseline="0" dirty="0">
+                <a:ln>
+                  <a:noFill/>
+                </a:ln>
+                <a:solidFill>
+                  <a:schemeClr val="tx1"/>
+                </a:solidFill>
+                <a:effectLst/>
+                <a:latin typeface="Arial" panose="020B0604020202020204" pitchFamily="34" charset="0"/>
+              </a:rPr>
+              <a:t>goal tracking</a:t>
+            </a:r>
+            <a:r>
+              <a:rPr kumimoji="0" lang="en-US" altLang="en-US" sz="1800" b="0" i="0" u="none" strike="noStrike" cap="none" normalizeH="0" baseline="0" dirty="0">
+                <a:ln>
+                  <a:noFill/>
+                </a:ln>
+                <a:solidFill>
+                  <a:schemeClr val="tx1"/>
+                </a:solidFill>
+                <a:effectLst/>
+                <a:latin typeface="Arial" panose="020B0604020202020204" pitchFamily="34" charset="0"/>
+              </a:rPr>
+              <a:t> for users to measure their sustainability progress (e.g., plastic saved, energy reduced).</a:t>
+            </a:r>
+          </a:p>
+          <a:p>
+            <a:pPr marR="0" lvl="0" algn="l" defTabSz="914400" rtl="0" eaLnBrk="0" fontAlgn="base" latinLnBrk="0" hangingPunct="0">
+              <a:lnSpc>
+                <a:spcPct val="100000"/>
+              </a:lnSpc>
+              <a:spcBef>
+                <a:spcPct val="0"/>
+              </a:spcBef>
+              <a:spcAft>
+                <a:spcPct val="0"/>
+              </a:spcAft>
+              <a:buSzTx/>
+              <a:buFont typeface="Wingdings" panose="05000000000000000000" pitchFamily="2" charset="2"/>
+              <a:buChar char="§"/>
+              <a:tabLst/>
+            </a:pPr>
+            <a:r>
+              <a:rPr kumimoji="0" lang="en-US" altLang="en-US" sz="1800" b="0" i="0" u="none" strike="noStrike" cap="none" normalizeH="0" baseline="0" dirty="0">
+                <a:ln>
+                  <a:noFill/>
+                </a:ln>
+                <a:solidFill>
+                  <a:schemeClr val="tx1"/>
+                </a:solidFill>
+                <a:effectLst/>
+                <a:latin typeface="Arial" panose="020B0604020202020204" pitchFamily="34" charset="0"/>
+              </a:rPr>
+              <a:t>Capable of </a:t>
+            </a:r>
+            <a:r>
+              <a:rPr kumimoji="0" lang="en-US" altLang="en-US" sz="1800" b="1" i="0" u="none" strike="noStrike" cap="none" normalizeH="0" baseline="0" dirty="0">
+                <a:ln>
+                  <a:noFill/>
+                </a:ln>
+                <a:solidFill>
+                  <a:schemeClr val="tx1"/>
+                </a:solidFill>
+                <a:effectLst/>
+                <a:latin typeface="Arial" panose="020B0604020202020204" pitchFamily="34" charset="0"/>
+              </a:rPr>
+              <a:t>multilingual interaction</a:t>
+            </a:r>
+            <a:r>
+              <a:rPr kumimoji="0" lang="en-US" altLang="en-US" sz="1800" b="0" i="0" u="none" strike="noStrike" cap="none" normalizeH="0" baseline="0" dirty="0">
+                <a:ln>
+                  <a:noFill/>
+                </a:ln>
+                <a:solidFill>
+                  <a:schemeClr val="tx1"/>
+                </a:solidFill>
+                <a:effectLst/>
+                <a:latin typeface="Arial" panose="020B0604020202020204" pitchFamily="34" charset="0"/>
+              </a:rPr>
+              <a:t> to support inclusivity and wider adoption across diverse regions.</a:t>
+            </a:r>
+          </a:p>
+          <a:p>
+            <a:pPr marR="0" lvl="0" algn="l" defTabSz="914400" rtl="0" eaLnBrk="0" fontAlgn="base" latinLnBrk="0" hangingPunct="0">
+              <a:lnSpc>
+                <a:spcPct val="100000"/>
+              </a:lnSpc>
+              <a:spcBef>
+                <a:spcPct val="0"/>
+              </a:spcBef>
+              <a:spcAft>
+                <a:spcPct val="0"/>
+              </a:spcAft>
+              <a:buSzTx/>
+              <a:buFont typeface="Wingdings" panose="05000000000000000000" pitchFamily="2" charset="2"/>
+              <a:buChar char="§"/>
+              <a:tabLst/>
+            </a:pPr>
+            <a:r>
+              <a:rPr kumimoji="0" lang="en-US" altLang="en-US" sz="1800" b="0" i="0" u="none" strike="noStrike" cap="none" normalizeH="0" baseline="0" dirty="0">
+                <a:ln>
+                  <a:noFill/>
+                </a:ln>
+                <a:solidFill>
+                  <a:schemeClr val="tx1"/>
+                </a:solidFill>
+                <a:effectLst/>
+                <a:latin typeface="Arial" panose="020B0604020202020204" pitchFamily="34" charset="0"/>
+              </a:rPr>
+              <a:t>Easily scalable to integrate into </a:t>
+            </a:r>
+            <a:r>
+              <a:rPr kumimoji="0" lang="en-US" altLang="en-US" sz="1800" b="1" i="0" u="none" strike="noStrike" cap="none" normalizeH="0" baseline="0" dirty="0">
+                <a:ln>
+                  <a:noFill/>
+                </a:ln>
+                <a:solidFill>
+                  <a:schemeClr val="tx1"/>
+                </a:solidFill>
+                <a:effectLst/>
+                <a:latin typeface="Arial" panose="020B0604020202020204" pitchFamily="34" charset="0"/>
+              </a:rPr>
+              <a:t>school systems, smart cities, or community programs</a:t>
+            </a:r>
+            <a:r>
+              <a:rPr kumimoji="0" lang="en-US" altLang="en-US" sz="1800" b="0" i="0" u="none" strike="noStrike" cap="none" normalizeH="0" baseline="0" dirty="0">
+                <a:ln>
+                  <a:noFill/>
+                </a:ln>
+                <a:solidFill>
+                  <a:schemeClr val="tx1"/>
+                </a:solidFill>
+                <a:effectLst/>
+                <a:latin typeface="Arial" panose="020B0604020202020204" pitchFamily="34" charset="0"/>
+              </a:rPr>
+              <a:t>.</a:t>
+            </a:r>
+          </a:p>
+          <a:p>
+            <a:pPr marR="0" lvl="0" algn="l" defTabSz="914400" rtl="0" eaLnBrk="0" fontAlgn="base" latinLnBrk="0" hangingPunct="0">
+              <a:lnSpc>
+                <a:spcPct val="100000"/>
+              </a:lnSpc>
+              <a:spcBef>
+                <a:spcPct val="0"/>
+              </a:spcBef>
+              <a:spcAft>
+                <a:spcPct val="0"/>
+              </a:spcAft>
+              <a:buSzTx/>
+              <a:buFont typeface="Wingdings" panose="05000000000000000000" pitchFamily="2" charset="2"/>
+              <a:buChar char="§"/>
+              <a:tabLst/>
+            </a:pPr>
+            <a:r>
+              <a:rPr kumimoji="0" lang="en-US" altLang="en-US" sz="1800" b="0" i="0" u="none" strike="noStrike" cap="none" normalizeH="0" baseline="0" dirty="0">
+                <a:ln>
+                  <a:noFill/>
+                </a:ln>
+                <a:solidFill>
+                  <a:schemeClr val="tx1"/>
+                </a:solidFill>
+                <a:effectLst/>
+                <a:latin typeface="Arial" panose="020B0604020202020204" pitchFamily="34" charset="0"/>
+              </a:rPr>
+              <a:t>Provides </a:t>
+            </a:r>
+            <a:r>
+              <a:rPr kumimoji="0" lang="en-US" altLang="en-US" sz="1800" b="1" i="0" u="none" strike="noStrike" cap="none" normalizeH="0" baseline="0" dirty="0">
+                <a:ln>
+                  <a:noFill/>
+                </a:ln>
+                <a:solidFill>
+                  <a:schemeClr val="tx1"/>
+                </a:solidFill>
+                <a:effectLst/>
+                <a:latin typeface="Arial" panose="020B0604020202020204" pitchFamily="34" charset="0"/>
+              </a:rPr>
+              <a:t>offline support</a:t>
+            </a:r>
+            <a:r>
+              <a:rPr kumimoji="0" lang="en-US" altLang="en-US" sz="1800" b="0" i="0" u="none" strike="noStrike" cap="none" normalizeH="0" baseline="0" dirty="0">
+                <a:ln>
+                  <a:noFill/>
+                </a:ln>
+                <a:solidFill>
+                  <a:schemeClr val="tx1"/>
+                </a:solidFill>
+                <a:effectLst/>
+                <a:latin typeface="Arial" panose="020B0604020202020204" pitchFamily="34" charset="0"/>
+              </a:rPr>
+              <a:t> for storing basic local eco-guides and tips in areas with low connectivity.</a:t>
+            </a:r>
           </a:p>
         </p:txBody>
       </p:sp>
@@ -6252,72 +7799,219 @@
       </p:sp>
       <p:sp>
         <p:nvSpPr>
-          <p:cNvPr id="3" name="Content Placeholder 2">
+          <p:cNvPr id="4" name="Rectangle 1">
             <a:extLst>
               <a:ext uri="{FF2B5EF4-FFF2-40B4-BE49-F238E27FC236}">
-                <a16:creationId xmlns:a16="http://schemas.microsoft.com/office/drawing/2014/main" id="{AB679E23-F86A-AFA9-FE9C-7F5A518E8198}"/>
+                <a16:creationId xmlns:a16="http://schemas.microsoft.com/office/drawing/2014/main" id="{57C8A7E2-74E5-2D46-5EE9-BDC90BC2A6CD}"/>
               </a:ext>
             </a:extLst>
           </p:cNvPr>
           <p:cNvSpPr>
-            <a:spLocks noGrp="1"/>
+            <a:spLocks noGrp="1" noChangeArrowheads="1"/>
           </p:cNvSpPr>
           <p:nvPr>
             <p:ph idx="1"/>
           </p:nvPr>
         </p:nvSpPr>
-        <p:spPr/>
-        <p:txBody>
-          <a:bodyPr/>
+        <p:spPr bwMode="auto">
+          <a:xfrm>
+            <a:off x="581192" y="2900024"/>
+            <a:ext cx="6918561" cy="1477328"/>
+          </a:xfrm>
+          <a:prstGeom prst="rect">
+            <a:avLst/>
+          </a:prstGeom>
+          <a:noFill/>
+          <a:ln>
+            <a:noFill/>
+          </a:ln>
+          <a:effectLst/>
+          <a:extLst>
+            <a:ext uri="{909E8E84-426E-40DD-AFC4-6F175D3DCCD1}">
+              <a14:hiddenFill xmlns:a14="http://schemas.microsoft.com/office/drawing/2010/main">
+                <a:solidFill>
+                  <a:schemeClr val="accent1"/>
+                </a:solidFill>
+              </a14:hiddenFill>
+            </a:ext>
+            <a:ext uri="{91240B29-F687-4F45-9708-019B960494DF}">
+              <a14:hiddenLine xmlns:a14="http://schemas.microsoft.com/office/drawing/2010/main" w="9525">
+                <a:solidFill>
+                  <a:schemeClr val="tx1"/>
+                </a:solidFill>
+                <a:miter lim="800000"/>
+                <a:headEnd/>
+                <a:tailEnd/>
+              </a14:hiddenLine>
+            </a:ext>
+            <a:ext uri="{AF507438-7753-43E0-B8FC-AC1667EBCBE1}">
+              <a14:hiddenEffects xmlns:a14="http://schemas.microsoft.com/office/drawing/2010/main">
+                <a:effectLst>
+                  <a:outerShdw dist="35921" dir="2700000" algn="ctr" rotWithShape="0">
+                    <a:schemeClr val="bg2"/>
+                  </a:outerShdw>
+                </a:effectLst>
+              </a14:hiddenEffects>
+            </a:ext>
+          </a:extLst>
+        </p:spPr>
+        <p:txBody>
+          <a:bodyPr vert="horz" wrap="none" lIns="91440" tIns="45720" rIns="91440" bIns="45720" numCol="1" anchor="ctr" anchorCtr="0" compatLnSpc="1">
+            <a:prstTxWarp prst="textNoShape">
+              <a:avLst/>
+            </a:prstTxWarp>
+            <a:spAutoFit/>
+          </a:bodyPr>
           <a:lstStyle/>
           <a:p>
-            <a:pPr marL="305435" indent="-305435"/>
-            <a:r>
-              <a:rPr lang="en-IN" sz="2800" dirty="0">
-                <a:latin typeface="Calibri"/>
-                <a:ea typeface="+mn-lt"/>
-                <a:cs typeface="+mn-lt"/>
-              </a:rPr>
-              <a:t>Academic Researchers</a:t>
-            </a:r>
-          </a:p>
-          <a:p>
-            <a:pPr marL="305435" indent="-305435"/>
-            <a:r>
-              <a:rPr lang="en-IN" sz="2800" dirty="0">
-                <a:latin typeface="Calibri"/>
-                <a:ea typeface="+mn-lt"/>
-                <a:cs typeface="+mn-lt"/>
-              </a:rPr>
-              <a:t>Research Institutions and Universities</a:t>
-            </a:r>
-          </a:p>
-          <a:p>
-            <a:pPr marL="305435" indent="-305435"/>
-            <a:r>
-              <a:rPr lang="en-IN" sz="2800" dirty="0">
-                <a:latin typeface="Calibri"/>
-                <a:ea typeface="+mn-lt"/>
-                <a:cs typeface="+mn-lt"/>
-              </a:rPr>
-              <a:t>Industry R&amp;D Teams</a:t>
-            </a:r>
-          </a:p>
-          <a:p>
-            <a:pPr marL="305435" indent="-305435"/>
-            <a:r>
-              <a:rPr lang="en-IN" sz="2800" dirty="0">
-                <a:latin typeface="Calibri"/>
-                <a:ea typeface="+mn-lt"/>
-                <a:cs typeface="+mn-lt"/>
-              </a:rPr>
-              <a:t>Educators</a:t>
-            </a:r>
-            <a:endParaRPr lang="en-IN" sz="2800">
-              <a:latin typeface="Calibri"/>
-              <a:ea typeface="Calibri"/>
-              <a:cs typeface="Calibri"/>
-            </a:endParaRPr>
+            <a:pPr marR="0" lvl="0" algn="l" defTabSz="914400" rtl="0" eaLnBrk="0" fontAlgn="base" latinLnBrk="0" hangingPunct="0">
+              <a:lnSpc>
+                <a:spcPct val="100000"/>
+              </a:lnSpc>
+              <a:spcBef>
+                <a:spcPct val="0"/>
+              </a:spcBef>
+              <a:spcAft>
+                <a:spcPct val="0"/>
+              </a:spcAft>
+              <a:buSzTx/>
+              <a:buFont typeface="Wingdings" panose="05000000000000000000" pitchFamily="2" charset="2"/>
+              <a:buChar char="§"/>
+              <a:tabLst/>
+            </a:pPr>
+            <a:r>
+              <a:rPr kumimoji="0" lang="en-US" altLang="en-US" sz="1800" b="0" i="0" u="none" strike="noStrike" cap="none" normalizeH="0" baseline="0" dirty="0">
+                <a:ln>
+                  <a:noFill/>
+                </a:ln>
+                <a:solidFill>
+                  <a:schemeClr val="tx1"/>
+                </a:solidFill>
+                <a:effectLst/>
+                <a:latin typeface="Arial" panose="020B0604020202020204" pitchFamily="34" charset="0"/>
+              </a:rPr>
+              <a:t>Eco-conscious individuals</a:t>
+            </a:r>
+          </a:p>
+          <a:p>
+            <a:pPr marR="0" lvl="0" algn="l" defTabSz="914400" rtl="0" eaLnBrk="0" fontAlgn="base" latinLnBrk="0" hangingPunct="0">
+              <a:lnSpc>
+                <a:spcPct val="100000"/>
+              </a:lnSpc>
+              <a:spcBef>
+                <a:spcPct val="0"/>
+              </a:spcBef>
+              <a:spcAft>
+                <a:spcPct val="0"/>
+              </a:spcAft>
+              <a:buSzTx/>
+              <a:buFont typeface="Wingdings" panose="05000000000000000000" pitchFamily="2" charset="2"/>
+              <a:buChar char="§"/>
+              <a:tabLst/>
+            </a:pPr>
+            <a:r>
+              <a:rPr kumimoji="0" lang="en-US" altLang="en-US" sz="1800" b="0" i="0" u="none" strike="noStrike" cap="none" normalizeH="0" baseline="0" dirty="0">
+                <a:ln>
+                  <a:noFill/>
+                </a:ln>
+                <a:solidFill>
+                  <a:schemeClr val="tx1"/>
+                </a:solidFill>
+                <a:effectLst/>
+                <a:latin typeface="Arial" panose="020B0604020202020204" pitchFamily="34" charset="0"/>
+              </a:rPr>
+              <a:t>Urban and rural households seeking sustainable practices</a:t>
+            </a:r>
+          </a:p>
+          <a:p>
+            <a:pPr marR="0" lvl="0" algn="l" defTabSz="914400" rtl="0" eaLnBrk="0" fontAlgn="base" latinLnBrk="0" hangingPunct="0">
+              <a:lnSpc>
+                <a:spcPct val="100000"/>
+              </a:lnSpc>
+              <a:spcBef>
+                <a:spcPct val="0"/>
+              </a:spcBef>
+              <a:spcAft>
+                <a:spcPct val="0"/>
+              </a:spcAft>
+              <a:buSzTx/>
+              <a:buFont typeface="Wingdings" panose="05000000000000000000" pitchFamily="2" charset="2"/>
+              <a:buChar char="§"/>
+              <a:tabLst/>
+            </a:pPr>
+            <a:r>
+              <a:rPr kumimoji="0" lang="en-US" altLang="en-US" sz="1800" b="0" i="0" u="none" strike="noStrike" cap="none" normalizeH="0" baseline="0" dirty="0">
+                <a:ln>
+                  <a:noFill/>
+                </a:ln>
+                <a:solidFill>
+                  <a:schemeClr val="tx1"/>
+                </a:solidFill>
+                <a:effectLst/>
+                <a:latin typeface="Arial" panose="020B0604020202020204" pitchFamily="34" charset="0"/>
+              </a:rPr>
+              <a:t>Students and environmental clubs</a:t>
+            </a:r>
+          </a:p>
+          <a:p>
+            <a:pPr marR="0" lvl="0" algn="l" defTabSz="914400" rtl="0" eaLnBrk="0" fontAlgn="base" latinLnBrk="0" hangingPunct="0">
+              <a:lnSpc>
+                <a:spcPct val="100000"/>
+              </a:lnSpc>
+              <a:spcBef>
+                <a:spcPct val="0"/>
+              </a:spcBef>
+              <a:spcAft>
+                <a:spcPct val="0"/>
+              </a:spcAft>
+              <a:buSzTx/>
+              <a:buFont typeface="Wingdings" panose="05000000000000000000" pitchFamily="2" charset="2"/>
+              <a:buChar char="§"/>
+              <a:tabLst/>
+            </a:pPr>
+            <a:r>
+              <a:rPr kumimoji="0" lang="en-US" altLang="en-US" sz="1800" b="0" i="0" u="none" strike="noStrike" cap="none" normalizeH="0" baseline="0" dirty="0">
+                <a:ln>
+                  <a:noFill/>
+                </a:ln>
+                <a:solidFill>
+                  <a:schemeClr val="tx1"/>
+                </a:solidFill>
+                <a:effectLst/>
+                <a:latin typeface="Arial" panose="020B0604020202020204" pitchFamily="34" charset="0"/>
+              </a:rPr>
+              <a:t>NGOs and green businesses</a:t>
+            </a:r>
+          </a:p>
+          <a:p>
+            <a:pPr marR="0" lvl="0" algn="l" defTabSz="914400" rtl="0" eaLnBrk="0" fontAlgn="base" latinLnBrk="0" hangingPunct="0">
+              <a:lnSpc>
+                <a:spcPct val="100000"/>
+              </a:lnSpc>
+              <a:spcBef>
+                <a:spcPct val="0"/>
+              </a:spcBef>
+              <a:spcAft>
+                <a:spcPct val="0"/>
+              </a:spcAft>
+              <a:buSzTx/>
+              <a:buFont typeface="Wingdings" panose="05000000000000000000" pitchFamily="2" charset="2"/>
+              <a:buChar char="§"/>
+              <a:tabLst/>
+            </a:pPr>
+            <a:r>
+              <a:rPr kumimoji="0" lang="en-US" altLang="en-US" sz="1800" b="0" i="0" u="none" strike="noStrike" cap="none" normalizeH="0" baseline="0" dirty="0">
+                <a:ln>
+                  <a:noFill/>
+                </a:ln>
+                <a:solidFill>
+                  <a:schemeClr val="tx1"/>
+                </a:solidFill>
+                <a:effectLst/>
+                <a:latin typeface="Arial" panose="020B0604020202020204" pitchFamily="34" charset="0"/>
+              </a:rPr>
+              <a:t>Local governments promoting recycling or energy conservation</a:t>
+            </a:r>
           </a:p>
         </p:txBody>
       </p:sp>
@@ -6405,14 +8099,15 @@
         </p:nvPicPr>
         <p:blipFill>
           <a:blip r:embed="rId2"/>
+          <a:srcRect l="2117" t="5295" r="1287" b="5788"/>
           <a:stretch>
             <a:fillRect/>
           </a:stretch>
         </p:blipFill>
         <p:spPr>
           <a:xfrm>
-            <a:off x="2931798" y="702156"/>
-            <a:ext cx="6880796" cy="2894388"/>
+            <a:off x="5260257" y="855336"/>
+            <a:ext cx="6646607" cy="2573594"/>
           </a:xfrm>
           <a:prstGeom prst="rect">
             <a:avLst/>
@@ -6435,20 +8130,63 @@
         </p:nvPicPr>
         <p:blipFill>
           <a:blip r:embed="rId3"/>
+          <a:srcRect l="2208" t="4230" r="2452"/>
           <a:stretch>
             <a:fillRect/>
           </a:stretch>
         </p:blipFill>
         <p:spPr>
           <a:xfrm>
-            <a:off x="412954" y="3893022"/>
-            <a:ext cx="7620001" cy="2894388"/>
+            <a:off x="1209696" y="3771606"/>
+            <a:ext cx="7264950" cy="2771964"/>
           </a:xfrm>
           <a:prstGeom prst="rect">
             <a:avLst/>
           </a:prstGeom>
         </p:spPr>
       </p:pic>
+      <p:sp>
+        <p:nvSpPr>
+          <p:cNvPr id="3" name="TextBox 2">
+            <a:extLst>
+              <a:ext uri="{FF2B5EF4-FFF2-40B4-BE49-F238E27FC236}">
+                <a16:creationId xmlns:a16="http://schemas.microsoft.com/office/drawing/2014/main" id="{30444953-DEB9-E878-6A9B-FB661F201E79}"/>
+              </a:ext>
+            </a:extLst>
+          </p:cNvPr>
+          <p:cNvSpPr txBox="1"/>
+          <p:nvPr/>
+        </p:nvSpPr>
+        <p:spPr>
+          <a:xfrm>
+            <a:off x="766916" y="1818968"/>
+            <a:ext cx="2055819" cy="646331"/>
+          </a:xfrm>
+          <a:prstGeom prst="rect">
+            <a:avLst/>
+          </a:prstGeom>
+          <a:noFill/>
+        </p:spPr>
+        <p:txBody>
+          <a:bodyPr wrap="none" rtlCol="0">
+            <a:spAutoFit/>
+          </a:bodyPr>
+          <a:lstStyle/>
+          <a:p>
+            <a:r>
+              <a:rPr lang="en-US" dirty="0"/>
+              <a:t>            Interface of</a:t>
+            </a:r>
+          </a:p>
+          <a:p>
+            <a:r>
+              <a:rPr lang="en-US" dirty="0"/>
+              <a:t>           ECO_AGENT </a:t>
+            </a:r>
+            <a:endParaRPr lang="en-IN" dirty="0"/>
+          </a:p>
+        </p:txBody>
+      </p:sp>
     </p:spTree>
     <p:extLst>
       <p:ext uri="{BB962C8B-B14F-4D97-AF65-F5344CB8AC3E}">
@@ -6529,15 +8267,15 @@
         </p:nvPicPr>
         <p:blipFill>
           <a:blip r:embed="rId3"/>
-          <a:srcRect l="47775" t="7414" r="3567"/>
+          <a:srcRect l="51459" t="7414" r="3567"/>
           <a:stretch>
             <a:fillRect/>
           </a:stretch>
         </p:blipFill>
         <p:spPr>
           <a:xfrm>
-            <a:off x="2192595" y="702156"/>
-            <a:ext cx="4591664" cy="5633883"/>
+            <a:off x="479528" y="1781467"/>
+            <a:ext cx="4693328" cy="4530198"/>
           </a:xfrm>
         </p:spPr>
       </p:pic>
@@ -6564,14 +8302,61 @@
         </p:blipFill>
         <p:spPr>
           <a:xfrm>
-            <a:off x="7236542" y="758742"/>
-            <a:ext cx="4591664" cy="5504405"/>
+            <a:off x="7384026" y="1399601"/>
+            <a:ext cx="4591665" cy="4912064"/>
           </a:xfrm>
           <a:prstGeom prst="rect">
             <a:avLst/>
           </a:prstGeom>
         </p:spPr>
       </p:pic>
+      <p:sp>
+        <p:nvSpPr>
+          <p:cNvPr id="3" name="TextBox 2">
+            <a:extLst>
+              <a:ext uri="{FF2B5EF4-FFF2-40B4-BE49-F238E27FC236}">
+                <a16:creationId xmlns:a16="http://schemas.microsoft.com/office/drawing/2014/main" id="{1CF8D108-34D2-857F-B319-510FD8DB2188}"/>
+              </a:ext>
+            </a:extLst>
+          </p:cNvPr>
+          <p:cNvSpPr txBox="1"/>
+          <p:nvPr/>
+        </p:nvSpPr>
+        <p:spPr>
+          <a:xfrm>
+            <a:off x="5346893" y="2824653"/>
+            <a:ext cx="1672253" cy="1477328"/>
+          </a:xfrm>
+          <a:prstGeom prst="rect">
+            <a:avLst/>
+          </a:prstGeom>
+          <a:noFill/>
+        </p:spPr>
+        <p:txBody>
+          <a:bodyPr wrap="square" rtlCol="0">
+            <a:spAutoFit/>
+          </a:bodyPr>
+          <a:lstStyle/>
+          <a:p>
+            <a:r>
+              <a:rPr lang="en-US" dirty="0"/>
+              <a:t>Query about components of</a:t>
+            </a:r>
+          </a:p>
+          <a:p>
+            <a:r>
+              <a:rPr lang="en-US" dirty="0"/>
+              <a:t>The system architecture on </a:t>
+            </a:r>
+          </a:p>
+          <a:p>
+            <a:r>
+              <a:rPr lang="en-US" dirty="0"/>
+              <a:t>IBM cloud life</a:t>
+            </a:r>
+          </a:p>
+        </p:txBody>
+      </p:sp>
     </p:spTree>
     <p:extLst>
       <p:ext uri="{BB962C8B-B14F-4D97-AF65-F5344CB8AC3E}">
@@ -7150,6 +8935,14 @@
 </file>
 
 <file path=customXml/item1.xml><?xml version="1.0" encoding="utf-8"?>
+<p:properties xmlns:p="http://schemas.microsoft.com/office/2006/metadata/properties" xmlns:xsi="http://www.w3.org/2001/XMLSchema-instance" xmlns:pc="http://schemas.microsoft.com/office/infopath/2007/PartnerControls">
+  <documentManagement>
+    <_activity xmlns="b30265f8-c5e2-4918-b4a1-b977299ca3e2" xsi:nil="true"/>
+  </documentManagement>
+</p:properties>
+</file>
+
+<file path=customXml/item2.xml><?xml version="1.0" encoding="utf-8"?>
 <ct:contentTypeSchema xmlns:ct="http://schemas.microsoft.com/office/2006/metadata/contentType" xmlns:ma="http://schemas.microsoft.com/office/2006/metadata/properties/metaAttributes" ct:_="" ma:_="" ma:contentTypeName="Document" ma:contentTypeID="0x0101007F0268AC5E70984D8FE60B7154176407" ma:contentTypeVersion="15" ma:contentTypeDescription="Create a new document." ma:contentTypeScope="" ma:versionID="104e359103f0f57b1cf9676756e5b944">
   <xsd:schema xmlns:xsd="http://www.w3.org/2001/XMLSchema" xmlns:xs="http://www.w3.org/2001/XMLSchema" xmlns:p="http://schemas.microsoft.com/office/2006/metadata/properties" xmlns:ns3="b30265f8-c5e2-4918-b4a1-b977299ca3e2" xmlns:ns4="fadb41d3-f9cb-40fb-903c-8cacaba95bb5" targetNamespace="http://schemas.microsoft.com/office/2006/metadata/properties" ma:root="true" ma:fieldsID="5615b8f8aa772998bad551f24a33de0e" ns3:_="" ns4:_="">
     <xsd:import namespace="b30265f8-c5e2-4918-b4a1-b977299ca3e2"/>
@@ -7382,14 +9175,6 @@
 </ct:contentTypeSchema>
 </file>
 
-<file path=customXml/item2.xml><?xml version="1.0" encoding="utf-8"?>
-<p:properties xmlns:p="http://schemas.microsoft.com/office/2006/metadata/properties" xmlns:xsi="http://www.w3.org/2001/XMLSchema-instance" xmlns:pc="http://schemas.microsoft.com/office/infopath/2007/PartnerControls">
-  <documentManagement>
-    <_activity xmlns="b30265f8-c5e2-4918-b4a1-b977299ca3e2" xsi:nil="true"/>
-  </documentManagement>
-</p:properties>
-</file>
-
 <file path=customXml/item3.xml><?xml version="1.0" encoding="utf-8"?>
 <?mso-contentType ?>
 <FormTemplates xmlns="http://schemas.microsoft.com/sharepoint/v3/contenttype/forms">
@@ -7400,6 +9185,18 @@
 </file>
 
 <file path=customXml/itemProps1.xml><?xml version="1.0" encoding="utf-8"?>
+<ds:datastoreItem xmlns:ds="http://schemas.openxmlformats.org/officeDocument/2006/customXml" ds:itemID="{8D289AE2-D2AE-49D1-AFAC-3A79F6794255}">
+  <ds:schemaRefs>
+    <ds:schemaRef ds:uri="http://schemas.microsoft.com/office/2006/metadata/properties"/>
+    <ds:schemaRef ds:uri="http://www.w3.org/2000/xmlns/"/>
+    <ds:schemaRef ds:uri="b30265f8-c5e2-4918-b4a1-b977299ca3e2"/>
+    <ds:schemaRef ds:uri="http://www.w3.org/2001/XMLSchema-instance"/>
+    <ds:schemaRef ds:uri="http://schemas.microsoft.com/office/infopath/2007/PartnerControls"/>
+  </ds:schemaRefs>
+</ds:datastoreItem>
+</file>
+
+<file path=customXml/itemProps2.xml><?xml version="1.0" encoding="utf-8"?>
 <ds:datastoreItem xmlns:ds="http://schemas.openxmlformats.org/officeDocument/2006/customXml" ds:itemID="{9DD71778-17EE-4151-88AE-C8F4E8043BD9}">
   <ds:schemaRefs>
     <ds:schemaRef ds:uri="http://schemas.microsoft.com/office/2006/metadata/contentType"/>
@@ -7419,18 +9216,6 @@
 </ds:datastoreItem>
 </file>
 
-<file path=customXml/itemProps2.xml><?xml version="1.0" encoding="utf-8"?>
-<ds:datastoreItem xmlns:ds="http://schemas.openxmlformats.org/officeDocument/2006/customXml" ds:itemID="{8D289AE2-D2AE-49D1-AFAC-3A79F6794255}">
-  <ds:schemaRefs>
-    <ds:schemaRef ds:uri="http://schemas.microsoft.com/office/2006/metadata/properties"/>
-    <ds:schemaRef ds:uri="http://www.w3.org/2000/xmlns/"/>
-    <ds:schemaRef ds:uri="b30265f8-c5e2-4918-b4a1-b977299ca3e2"/>
-    <ds:schemaRef ds:uri="http://www.w3.org/2001/XMLSchema-instance"/>
-    <ds:schemaRef ds:uri="http://schemas.microsoft.com/office/infopath/2007/PartnerControls"/>
-  </ds:schemaRefs>
-</ds:datastoreItem>
-</file>
-
 <file path=customXml/itemProps3.xml><?xml version="1.0" encoding="utf-8"?>
 <ds:datastoreItem xmlns:ds="http://schemas.openxmlformats.org/officeDocument/2006/customXml" ds:itemID="{927BD4C1-B6B1-4715-ABF9-E660A51A4EA0}">
   <ds:schemaRefs>
